--- a/deep-learning-fire-detection.pptx
+++ b/deep-learning-fire-detection.pptx
@@ -21,7 +21,7 @@
     <p:sldId id="266" r:id="rId15"/>
     <p:sldId id="276" r:id="rId16"/>
     <p:sldId id="274" r:id="rId17"/>
-    <p:sldId id="283" r:id="rId18"/>
+    <p:sldId id="287" r:id="rId18"/>
     <p:sldId id="271" r:id="rId19"/>
     <p:sldId id="273" r:id="rId20"/>
     <p:sldId id="268" r:id="rId21"/>
@@ -23518,6 +23518,14 @@
 <file path=ppt/slides/slide17.xml><?xml version="1.0" encoding="utf-8"?>
 <p:sld xmlns:a="http://schemas.openxmlformats.org/drawingml/2006/main" xmlns:r="http://schemas.openxmlformats.org/officeDocument/2006/relationships" xmlns:p="http://schemas.openxmlformats.org/presentationml/2006/main">
   <p:cSld>
+    <p:bg>
+      <p:bgPr>
+        <a:solidFill>
+          <a:schemeClr val="bg2"/>
+        </a:solidFill>
+        <a:effectLst/>
+      </p:bgPr>
+    </p:bg>
     <p:spTree>
       <p:nvGrpSpPr>
         <p:cNvPr id="1" name=""/>
@@ -23534,10 +23542,1497 @@
       </p:grpSpPr>
       <p:sp>
         <p:nvSpPr>
+          <p:cNvPr id="40" name="Rectangle 15">
+            <a:extLst>
+              <a:ext uri="{FF2B5EF4-FFF2-40B4-BE49-F238E27FC236}">
+                <a16:creationId xmlns:a16="http://schemas.microsoft.com/office/drawing/2014/main" id="{A3BAF07C-C39E-42EB-BB22-8D46691D9735}"/>
+              </a:ext>
+              <a:ext uri="{C183D7F6-B498-43B3-948B-1728B52AA6E4}">
+                <adec:decorative xmlns:adec="http://schemas.microsoft.com/office/drawing/2017/decorative" val="1"/>
+              </a:ext>
+            </a:extLst>
+          </p:cNvPr>
+          <p:cNvSpPr>
+            <a:spLocks noGrp="1" noRot="1" noChangeAspect="1" noMove="1" noResize="1" noEditPoints="1" noAdjustHandles="1" noChangeArrowheads="1" noChangeShapeType="1" noTextEdit="1"/>
+          </p:cNvSpPr>
+          <p:nvPr>
+            <p:extLst>
+              <p:ext uri="{386F3935-93C4-4BCD-93E2-E3B085C9AB24}">
+                <p16:designElem xmlns:p16="http://schemas.microsoft.com/office/powerpoint/2015/main" val="1"/>
+              </p:ext>
+            </p:extLst>
+          </p:nvPr>
+        </p:nvSpPr>
+        <p:spPr>
+          <a:xfrm>
+            <a:off x="-1" y="0"/>
+            <a:ext cx="12193061" cy="6858000"/>
+          </a:xfrm>
+          <a:prstGeom prst="rect">
+            <a:avLst/>
+          </a:prstGeom>
+          <a:solidFill>
+            <a:schemeClr val="bg2"/>
+          </a:solidFill>
+          <a:ln>
+            <a:noFill/>
+          </a:ln>
+        </p:spPr>
+        <p:style>
+          <a:lnRef idx="2">
+            <a:schemeClr val="accent1">
+              <a:shade val="50000"/>
+            </a:schemeClr>
+          </a:lnRef>
+          <a:fillRef idx="1">
+            <a:schemeClr val="accent1"/>
+          </a:fillRef>
+          <a:effectRef idx="0">
+            <a:schemeClr val="accent1"/>
+          </a:effectRef>
+          <a:fontRef idx="minor">
+            <a:schemeClr val="lt1"/>
+          </a:fontRef>
+        </p:style>
+        <p:txBody>
+          <a:bodyPr rtlCol="0" anchor="ctr"/>
+          <a:lstStyle/>
+          <a:p>
+            <a:pPr algn="ctr"/>
+            <a:endParaRPr lang="en-US"/>
+          </a:p>
+        </p:txBody>
+      </p:sp>
+      <p:grpSp>
+        <p:nvGrpSpPr>
+          <p:cNvPr id="41" name="Group 17">
+            <a:extLst>
+              <a:ext uri="{FF2B5EF4-FFF2-40B4-BE49-F238E27FC236}">
+                <a16:creationId xmlns:a16="http://schemas.microsoft.com/office/drawing/2014/main" id="{D8E9CF54-0466-4261-9E62-0249E60E1886}"/>
+              </a:ext>
+              <a:ext uri="{C183D7F6-B498-43B3-948B-1728B52AA6E4}">
+                <adec:decorative xmlns:adec="http://schemas.microsoft.com/office/drawing/2017/decorative" val="1"/>
+              </a:ext>
+            </a:extLst>
+          </p:cNvPr>
+          <p:cNvGrpSpPr>
+            <a:grpSpLocks noGrp="1" noUngrp="1" noRot="1" noChangeAspect="1" noMove="1" noResize="1"/>
+          </p:cNvGrpSpPr>
+          <p:nvPr>
+            <p:extLst>
+              <p:ext uri="{386F3935-93C4-4BCD-93E2-E3B085C9AB24}">
+                <p16:designElem xmlns:p16="http://schemas.microsoft.com/office/powerpoint/2015/main" val="1"/>
+              </p:ext>
+            </p:extLst>
+          </p:nvPr>
+        </p:nvGrpSpPr>
+        <p:grpSpPr>
+          <a:xfrm>
+            <a:off x="-329674" y="-59376"/>
+            <a:ext cx="12515851" cy="6923798"/>
+            <a:chOff x="-329674" y="-51881"/>
+            <a:chExt cx="12515851" cy="6923798"/>
+          </a:xfrm>
+        </p:grpSpPr>
+        <p:sp>
+          <p:nvSpPr>
+            <p:cNvPr id="19" name="Freeform 5">
+              <a:extLst>
+                <a:ext uri="{FF2B5EF4-FFF2-40B4-BE49-F238E27FC236}">
+                  <a16:creationId xmlns:a16="http://schemas.microsoft.com/office/drawing/2014/main" id="{33E32106-E8B1-4F76-9EE6-58537738A3C4}"/>
+                </a:ext>
+                <a:ext uri="{C183D7F6-B498-43B3-948B-1728B52AA6E4}">
+                  <adec:decorative xmlns:adec="http://schemas.microsoft.com/office/drawing/2017/decorative" val="1"/>
+                </a:ext>
+              </a:extLst>
+            </p:cNvPr>
+            <p:cNvSpPr/>
+            <p:nvPr>
+              <p:extLst>
+                <p:ext uri="{386F3935-93C4-4BCD-93E2-E3B085C9AB24}">
+                  <p16:designElem xmlns:p16="http://schemas.microsoft.com/office/powerpoint/2015/main" val="1"/>
+                </p:ext>
+              </p:extLst>
+            </p:nvPr>
+          </p:nvSpPr>
+          <p:spPr bwMode="auto">
+            <a:xfrm>
+              <a:off x="-329674" y="1298404"/>
+              <a:ext cx="9702800" cy="5573512"/>
+            </a:xfrm>
+            <a:custGeom>
+              <a:avLst/>
+              <a:gdLst/>
+              <a:ahLst/>
+              <a:cxnLst/>
+              <a:rect l="0" t="0" r="r" b="b"/>
+              <a:pathLst>
+                <a:path w="2038" h="1169">
+                  <a:moveTo>
+                    <a:pt x="1752" y="1169"/>
+                  </a:moveTo>
+                  <a:cubicBezTo>
+                    <a:pt x="2038" y="928"/>
+                    <a:pt x="1673" y="513"/>
+                    <a:pt x="1487" y="334"/>
+                  </a:cubicBezTo>
+                  <a:cubicBezTo>
+                    <a:pt x="1316" y="170"/>
+                    <a:pt x="1099" y="43"/>
+                    <a:pt x="860" y="22"/>
+                  </a:cubicBezTo>
+                  <a:cubicBezTo>
+                    <a:pt x="621" y="0"/>
+                    <a:pt x="341" y="128"/>
+                    <a:pt x="199" y="318"/>
+                  </a:cubicBezTo>
+                  <a:cubicBezTo>
+                    <a:pt x="0" y="586"/>
+                    <a:pt x="184" y="965"/>
+                    <a:pt x="399" y="1165"/>
+                  </a:cubicBezTo>
+                </a:path>
+              </a:pathLst>
+            </a:custGeom>
+            <a:noFill/>
+            <a:ln w="9525" cap="flat">
+              <a:solidFill>
+                <a:schemeClr val="tx1">
+                  <a:alpha val="35000"/>
+                </a:schemeClr>
+              </a:solidFill>
+              <a:prstDash val="solid"/>
+              <a:miter lim="800000"/>
+              <a:headEnd/>
+              <a:tailEnd/>
+            </a:ln>
+            <a:extLst>
+              <a:ext uri="{909E8E84-426E-40DD-AFC4-6F175D3DCCD1}">
+                <a14:hiddenFill xmlns:a14="http://schemas.microsoft.com/office/drawing/2010/main">
+                  <a:solidFill>
+                    <a:srgbClr val="FFFFFF"/>
+                  </a:solidFill>
+                </a14:hiddenFill>
+              </a:ext>
+            </a:extLst>
+          </p:spPr>
+        </p:sp>
+        <p:sp>
+          <p:nvSpPr>
+            <p:cNvPr id="20" name="Freeform 6">
+              <a:extLst>
+                <a:ext uri="{FF2B5EF4-FFF2-40B4-BE49-F238E27FC236}">
+                  <a16:creationId xmlns:a16="http://schemas.microsoft.com/office/drawing/2014/main" id="{C32C2C46-A045-44FB-8A74-5EBD650C2787}"/>
+                </a:ext>
+                <a:ext uri="{C183D7F6-B498-43B3-948B-1728B52AA6E4}">
+                  <adec:decorative xmlns:adec="http://schemas.microsoft.com/office/drawing/2017/decorative" val="1"/>
+                </a:ext>
+              </a:extLst>
+            </p:cNvPr>
+            <p:cNvSpPr/>
+            <p:nvPr>
+              <p:extLst>
+                <p:ext uri="{386F3935-93C4-4BCD-93E2-E3B085C9AB24}">
+                  <p16:designElem xmlns:p16="http://schemas.microsoft.com/office/powerpoint/2015/main" val="1"/>
+                </p:ext>
+              </p:extLst>
+            </p:nvPr>
+          </p:nvSpPr>
+          <p:spPr bwMode="auto">
+            <a:xfrm>
+              <a:off x="670451" y="2018236"/>
+              <a:ext cx="7373938" cy="4848892"/>
+            </a:xfrm>
+            <a:custGeom>
+              <a:avLst/>
+              <a:gdLst/>
+              <a:ahLst/>
+              <a:cxnLst/>
+              <a:rect l="0" t="0" r="r" b="b"/>
+              <a:pathLst>
+                <a:path w="1549" h="1017">
+                  <a:moveTo>
+                    <a:pt x="1025" y="1016"/>
+                  </a:moveTo>
+                  <a:cubicBezTo>
+                    <a:pt x="1223" y="971"/>
+                    <a:pt x="1549" y="857"/>
+                    <a:pt x="1443" y="592"/>
+                  </a:cubicBezTo>
+                  <a:cubicBezTo>
+                    <a:pt x="1344" y="344"/>
+                    <a:pt x="1041" y="111"/>
+                    <a:pt x="782" y="53"/>
+                  </a:cubicBezTo>
+                  <a:cubicBezTo>
+                    <a:pt x="545" y="0"/>
+                    <a:pt x="275" y="117"/>
+                    <a:pt x="150" y="329"/>
+                  </a:cubicBezTo>
+                  <a:cubicBezTo>
+                    <a:pt x="0" y="584"/>
+                    <a:pt x="243" y="911"/>
+                    <a:pt x="477" y="1017"/>
+                  </a:cubicBezTo>
+                </a:path>
+              </a:pathLst>
+            </a:custGeom>
+            <a:noFill/>
+            <a:ln w="9525" cap="flat">
+              <a:solidFill>
+                <a:schemeClr val="tx1">
+                  <a:alpha val="35000"/>
+                </a:schemeClr>
+              </a:solidFill>
+              <a:prstDash val="solid"/>
+              <a:miter lim="800000"/>
+              <a:headEnd/>
+              <a:tailEnd/>
+            </a:ln>
+            <a:extLst>
+              <a:ext uri="{909E8E84-426E-40DD-AFC4-6F175D3DCCD1}">
+                <a14:hiddenFill xmlns:a14="http://schemas.microsoft.com/office/drawing/2010/main">
+                  <a:solidFill>
+                    <a:srgbClr val="FFFFFF"/>
+                  </a:solidFill>
+                </a14:hiddenFill>
+              </a:ext>
+            </a:extLst>
+          </p:spPr>
+        </p:sp>
+        <p:sp>
+          <p:nvSpPr>
+            <p:cNvPr id="21" name="Freeform 7">
+              <a:extLst>
+                <a:ext uri="{FF2B5EF4-FFF2-40B4-BE49-F238E27FC236}">
+                  <a16:creationId xmlns:a16="http://schemas.microsoft.com/office/drawing/2014/main" id="{6A76F79C-6683-4940-BCF7-4BCCCEE40688}"/>
+                </a:ext>
+                <a:ext uri="{C183D7F6-B498-43B3-948B-1728B52AA6E4}">
+                  <adec:decorative xmlns:adec="http://schemas.microsoft.com/office/drawing/2017/decorative" val="1"/>
+                </a:ext>
+              </a:extLst>
+            </p:cNvPr>
+            <p:cNvSpPr/>
+            <p:nvPr>
+              <p:extLst>
+                <p:ext uri="{386F3935-93C4-4BCD-93E2-E3B085C9AB24}">
+                  <p16:designElem xmlns:p16="http://schemas.microsoft.com/office/powerpoint/2015/main" val="1"/>
+                </p:ext>
+              </p:extLst>
+            </p:nvPr>
+          </p:nvSpPr>
+          <p:spPr bwMode="auto">
+            <a:xfrm>
+              <a:off x="251351" y="1788400"/>
+              <a:ext cx="8035925" cy="5083516"/>
+            </a:xfrm>
+            <a:custGeom>
+              <a:avLst/>
+              <a:gdLst/>
+              <a:ahLst/>
+              <a:cxnLst/>
+              <a:rect l="0" t="0" r="r" b="b"/>
+              <a:pathLst>
+                <a:path w="1688" h="1066">
+                  <a:moveTo>
+                    <a:pt x="1302" y="1066"/>
+                  </a:moveTo>
+                  <a:cubicBezTo>
+                    <a:pt x="1416" y="1024"/>
+                    <a:pt x="1551" y="962"/>
+                    <a:pt x="1613" y="850"/>
+                  </a:cubicBezTo>
+                  <a:cubicBezTo>
+                    <a:pt x="1688" y="715"/>
+                    <a:pt x="1606" y="575"/>
+                    <a:pt x="1517" y="471"/>
+                  </a:cubicBezTo>
+                  <a:cubicBezTo>
+                    <a:pt x="1336" y="258"/>
+                    <a:pt x="1084" y="62"/>
+                    <a:pt x="798" y="28"/>
+                  </a:cubicBezTo>
+                  <a:cubicBezTo>
+                    <a:pt x="559" y="0"/>
+                    <a:pt x="317" y="138"/>
+                    <a:pt x="181" y="333"/>
+                  </a:cubicBezTo>
+                  <a:cubicBezTo>
+                    <a:pt x="0" y="592"/>
+                    <a:pt x="191" y="907"/>
+                    <a:pt x="420" y="1066"/>
+                  </a:cubicBezTo>
+                </a:path>
+              </a:pathLst>
+            </a:custGeom>
+            <a:noFill/>
+            <a:ln w="9525" cap="flat">
+              <a:solidFill>
+                <a:schemeClr val="tx1">
+                  <a:alpha val="35000"/>
+                </a:schemeClr>
+              </a:solidFill>
+              <a:prstDash val="dash"/>
+              <a:miter lim="800000"/>
+              <a:headEnd/>
+              <a:tailEnd/>
+            </a:ln>
+            <a:extLst>
+              <a:ext uri="{909E8E84-426E-40DD-AFC4-6F175D3DCCD1}">
+                <a14:hiddenFill xmlns:a14="http://schemas.microsoft.com/office/drawing/2010/main">
+                  <a:solidFill>
+                    <a:srgbClr val="FFFFFF"/>
+                  </a:solidFill>
+                </a14:hiddenFill>
+              </a:ext>
+            </a:extLst>
+          </p:spPr>
+        </p:sp>
+        <p:sp>
+          <p:nvSpPr>
+            <p:cNvPr id="22" name="Freeform 8">
+              <a:extLst>
+                <a:ext uri="{FF2B5EF4-FFF2-40B4-BE49-F238E27FC236}">
+                  <a16:creationId xmlns:a16="http://schemas.microsoft.com/office/drawing/2014/main" id="{FF4675A3-6D07-4B1F-9BFC-AEBEA1AD067D}"/>
+                </a:ext>
+                <a:ext uri="{C183D7F6-B498-43B3-948B-1728B52AA6E4}">
+                  <adec:decorative xmlns:adec="http://schemas.microsoft.com/office/drawing/2017/decorative" val="1"/>
+                </a:ext>
+              </a:extLst>
+            </p:cNvPr>
+            <p:cNvSpPr/>
+            <p:nvPr>
+              <p:extLst>
+                <p:ext uri="{386F3935-93C4-4BCD-93E2-E3B085C9AB24}">
+                  <p16:designElem xmlns:p16="http://schemas.microsoft.com/office/powerpoint/2015/main" val="1"/>
+                </p:ext>
+              </p:extLst>
+            </p:nvPr>
+          </p:nvSpPr>
+          <p:spPr bwMode="auto">
+            <a:xfrm>
+              <a:off x="-1061" y="549842"/>
+              <a:ext cx="10334625" cy="6322075"/>
+            </a:xfrm>
+            <a:custGeom>
+              <a:avLst/>
+              <a:gdLst/>
+              <a:ahLst/>
+              <a:cxnLst/>
+              <a:rect l="0" t="0" r="r" b="b"/>
+              <a:pathLst>
+                <a:path w="2171" h="1326">
+                  <a:moveTo>
+                    <a:pt x="1873" y="1326"/>
+                  </a:moveTo>
+                  <a:cubicBezTo>
+                    <a:pt x="2171" y="1045"/>
+                    <a:pt x="1825" y="678"/>
+                    <a:pt x="1609" y="473"/>
+                  </a:cubicBezTo>
+                  <a:cubicBezTo>
+                    <a:pt x="1406" y="281"/>
+                    <a:pt x="1159" y="116"/>
+                    <a:pt x="880" y="63"/>
+                  </a:cubicBezTo>
+                  <a:cubicBezTo>
+                    <a:pt x="545" y="0"/>
+                    <a:pt x="214" y="161"/>
+                    <a:pt x="0" y="423"/>
+                  </a:cubicBezTo>
+                </a:path>
+              </a:pathLst>
+            </a:custGeom>
+            <a:noFill/>
+            <a:ln w="9525" cap="flat">
+              <a:solidFill>
+                <a:schemeClr val="tx1">
+                  <a:alpha val="35000"/>
+                </a:schemeClr>
+              </a:solidFill>
+              <a:prstDash val="solid"/>
+              <a:miter lim="800000"/>
+              <a:headEnd/>
+              <a:tailEnd/>
+            </a:ln>
+            <a:extLst>
+              <a:ext uri="{909E8E84-426E-40DD-AFC4-6F175D3DCCD1}">
+                <a14:hiddenFill xmlns:a14="http://schemas.microsoft.com/office/drawing/2010/main">
+                  <a:solidFill>
+                    <a:srgbClr val="FFFFFF"/>
+                  </a:solidFill>
+                </a14:hiddenFill>
+              </a:ext>
+            </a:extLst>
+          </p:spPr>
+        </p:sp>
+        <p:sp>
+          <p:nvSpPr>
+            <p:cNvPr id="23" name="Freeform 9">
+              <a:extLst>
+                <a:ext uri="{FF2B5EF4-FFF2-40B4-BE49-F238E27FC236}">
+                  <a16:creationId xmlns:a16="http://schemas.microsoft.com/office/drawing/2014/main" id="{765E127A-B6B7-4B1D-B7BD-6C8C969D29C3}"/>
+                </a:ext>
+                <a:ext uri="{C183D7F6-B498-43B3-948B-1728B52AA6E4}">
+                  <adec:decorative xmlns:adec="http://schemas.microsoft.com/office/drawing/2017/decorative" val="1"/>
+                </a:ext>
+              </a:extLst>
+            </p:cNvPr>
+            <p:cNvSpPr/>
+            <p:nvPr>
+              <p:extLst>
+                <p:ext uri="{386F3935-93C4-4BCD-93E2-E3B085C9AB24}">
+                  <p16:designElem xmlns:p16="http://schemas.microsoft.com/office/powerpoint/2015/main" val="1"/>
+                </p:ext>
+              </p:extLst>
+            </p:nvPr>
+          </p:nvSpPr>
+          <p:spPr bwMode="auto">
+            <a:xfrm>
+              <a:off x="3701" y="6186246"/>
+              <a:ext cx="504825" cy="681527"/>
+            </a:xfrm>
+            <a:custGeom>
+              <a:avLst/>
+              <a:gdLst/>
+              <a:ahLst/>
+              <a:cxnLst/>
+              <a:rect l="0" t="0" r="r" b="b"/>
+              <a:pathLst>
+                <a:path w="106" h="143">
+                  <a:moveTo>
+                    <a:pt x="0" y="0"/>
+                  </a:moveTo>
+                  <a:cubicBezTo>
+                    <a:pt x="35" y="54"/>
+                    <a:pt x="70" y="101"/>
+                    <a:pt x="106" y="143"/>
+                  </a:cubicBezTo>
+                </a:path>
+              </a:pathLst>
+            </a:custGeom>
+            <a:noFill/>
+            <a:ln w="4763" cap="flat">
+              <a:solidFill>
+                <a:schemeClr val="tx1">
+                  <a:alpha val="35000"/>
+                </a:schemeClr>
+              </a:solidFill>
+              <a:prstDash val="solid"/>
+              <a:miter lim="800000"/>
+              <a:headEnd/>
+              <a:tailEnd/>
+            </a:ln>
+            <a:extLst>
+              <a:ext uri="{909E8E84-426E-40DD-AFC4-6F175D3DCCD1}">
+                <a14:hiddenFill xmlns:a14="http://schemas.microsoft.com/office/drawing/2010/main">
+                  <a:solidFill>
+                    <a:srgbClr val="FFFFFF"/>
+                  </a:solidFill>
+                </a14:hiddenFill>
+              </a:ext>
+            </a:extLst>
+          </p:spPr>
+        </p:sp>
+        <p:sp>
+          <p:nvSpPr>
+            <p:cNvPr id="24" name="Freeform 10">
+              <a:extLst>
+                <a:ext uri="{FF2B5EF4-FFF2-40B4-BE49-F238E27FC236}">
+                  <a16:creationId xmlns:a16="http://schemas.microsoft.com/office/drawing/2014/main" id="{3BCA9D9E-C72C-4751-BFA9-10B85CACE3CA}"/>
+                </a:ext>
+                <a:ext uri="{C183D7F6-B498-43B3-948B-1728B52AA6E4}">
+                  <adec:decorative xmlns:adec="http://schemas.microsoft.com/office/drawing/2017/decorative" val="1"/>
+                </a:ext>
+              </a:extLst>
+            </p:cNvPr>
+            <p:cNvSpPr/>
+            <p:nvPr>
+              <p:extLst>
+                <p:ext uri="{386F3935-93C4-4BCD-93E2-E3B085C9AB24}">
+                  <p16:designElem xmlns:p16="http://schemas.microsoft.com/office/powerpoint/2015/main" val="1"/>
+                </p:ext>
+              </p:extLst>
+            </p:nvPr>
+          </p:nvSpPr>
+          <p:spPr bwMode="auto">
+            <a:xfrm>
+              <a:off x="-1061" y="-51881"/>
+              <a:ext cx="11091863" cy="6923796"/>
+            </a:xfrm>
+            <a:custGeom>
+              <a:avLst/>
+              <a:gdLst/>
+              <a:ahLst/>
+              <a:cxnLst/>
+              <a:rect l="0" t="0" r="r" b="b"/>
+              <a:pathLst>
+                <a:path w="2330" h="1452">
+                  <a:moveTo>
+                    <a:pt x="2046" y="1452"/>
+                  </a:moveTo>
+                  <a:cubicBezTo>
+                    <a:pt x="2330" y="1153"/>
+                    <a:pt x="2049" y="821"/>
+                    <a:pt x="1813" y="601"/>
+                  </a:cubicBezTo>
+                  <a:cubicBezTo>
+                    <a:pt x="1569" y="375"/>
+                    <a:pt x="1282" y="179"/>
+                    <a:pt x="956" y="97"/>
+                  </a:cubicBezTo>
+                  <a:cubicBezTo>
+                    <a:pt x="572" y="0"/>
+                    <a:pt x="292" y="101"/>
+                    <a:pt x="0" y="366"/>
+                  </a:cubicBezTo>
+                </a:path>
+              </a:pathLst>
+            </a:custGeom>
+            <a:noFill/>
+            <a:ln w="9525" cap="flat">
+              <a:solidFill>
+                <a:schemeClr val="tx1">
+                  <a:alpha val="35000"/>
+                </a:schemeClr>
+              </a:solidFill>
+              <a:prstDash val="solid"/>
+              <a:miter lim="800000"/>
+              <a:headEnd/>
+              <a:tailEnd/>
+            </a:ln>
+            <a:extLst>
+              <a:ext uri="{909E8E84-426E-40DD-AFC4-6F175D3DCCD1}">
+                <a14:hiddenFill xmlns:a14="http://schemas.microsoft.com/office/drawing/2010/main">
+                  <a:solidFill>
+                    <a:srgbClr val="FFFFFF"/>
+                  </a:solidFill>
+                </a14:hiddenFill>
+              </a:ext>
+            </a:extLst>
+          </p:spPr>
+        </p:sp>
+        <p:sp>
+          <p:nvSpPr>
+            <p:cNvPr id="25" name="Freeform 11">
+              <a:extLst>
+                <a:ext uri="{FF2B5EF4-FFF2-40B4-BE49-F238E27FC236}">
+                  <a16:creationId xmlns:a16="http://schemas.microsoft.com/office/drawing/2014/main" id="{080C708C-69BF-441B-AB75-C98160ED06DE}"/>
+                </a:ext>
+                <a:ext uri="{C183D7F6-B498-43B3-948B-1728B52AA6E4}">
+                  <adec:decorative xmlns:adec="http://schemas.microsoft.com/office/drawing/2017/decorative" val="1"/>
+                </a:ext>
+              </a:extLst>
+            </p:cNvPr>
+            <p:cNvSpPr/>
+            <p:nvPr>
+              <p:extLst>
+                <p:ext uri="{386F3935-93C4-4BCD-93E2-E3B085C9AB24}">
+                  <p16:designElem xmlns:p16="http://schemas.microsoft.com/office/powerpoint/2015/main" val="1"/>
+                </p:ext>
+              </p:extLst>
+            </p:nvPr>
+          </p:nvSpPr>
+          <p:spPr bwMode="auto">
+            <a:xfrm>
+              <a:off x="5426601" y="5579"/>
+              <a:ext cx="5788025" cy="6847184"/>
+            </a:xfrm>
+            <a:custGeom>
+              <a:avLst/>
+              <a:gdLst/>
+              <a:ahLst/>
+              <a:cxnLst/>
+              <a:rect l="0" t="0" r="r" b="b"/>
+              <a:pathLst>
+                <a:path w="1216" h="1436">
+                  <a:moveTo>
+                    <a:pt x="1094" y="1436"/>
+                  </a:moveTo>
+                  <a:cubicBezTo>
+                    <a:pt x="1216" y="1114"/>
+                    <a:pt x="904" y="770"/>
+                    <a:pt x="709" y="551"/>
+                  </a:cubicBezTo>
+                  <a:cubicBezTo>
+                    <a:pt x="509" y="327"/>
+                    <a:pt x="274" y="127"/>
+                    <a:pt x="0" y="0"/>
+                  </a:cubicBezTo>
+                </a:path>
+              </a:pathLst>
+            </a:custGeom>
+            <a:noFill/>
+            <a:ln w="9525" cap="flat">
+              <a:solidFill>
+                <a:schemeClr val="tx1">
+                  <a:alpha val="35000"/>
+                </a:schemeClr>
+              </a:solidFill>
+              <a:prstDash val="solid"/>
+              <a:miter lim="800000"/>
+              <a:headEnd/>
+              <a:tailEnd/>
+            </a:ln>
+            <a:extLst>
+              <a:ext uri="{909E8E84-426E-40DD-AFC4-6F175D3DCCD1}">
+                <a14:hiddenFill xmlns:a14="http://schemas.microsoft.com/office/drawing/2010/main">
+                  <a:solidFill>
+                    <a:srgbClr val="FFFFFF"/>
+                  </a:solidFill>
+                </a14:hiddenFill>
+              </a:ext>
+            </a:extLst>
+          </p:spPr>
+        </p:sp>
+        <p:sp>
+          <p:nvSpPr>
+            <p:cNvPr id="26" name="Freeform 12">
+              <a:extLst>
+                <a:ext uri="{FF2B5EF4-FFF2-40B4-BE49-F238E27FC236}">
+                  <a16:creationId xmlns:a16="http://schemas.microsoft.com/office/drawing/2014/main" id="{3E79964E-F8F1-4763-8892-7BC3DAE306E9}"/>
+                </a:ext>
+                <a:ext uri="{C183D7F6-B498-43B3-948B-1728B52AA6E4}">
+                  <adec:decorative xmlns:adec="http://schemas.microsoft.com/office/drawing/2017/decorative" val="1"/>
+                </a:ext>
+              </a:extLst>
+            </p:cNvPr>
+            <p:cNvSpPr/>
+            <p:nvPr>
+              <p:extLst>
+                <p:ext uri="{386F3935-93C4-4BCD-93E2-E3B085C9AB24}">
+                  <p16:designElem xmlns:p16="http://schemas.microsoft.com/office/powerpoint/2015/main" val="1"/>
+                </p:ext>
+              </p:extLst>
+            </p:nvPr>
+          </p:nvSpPr>
+          <p:spPr bwMode="auto">
+            <a:xfrm>
+              <a:off x="-1061" y="5579"/>
+              <a:ext cx="1057275" cy="614491"/>
+            </a:xfrm>
+            <a:custGeom>
+              <a:avLst/>
+              <a:gdLst/>
+              <a:ahLst/>
+              <a:cxnLst/>
+              <a:rect l="0" t="0" r="r" b="b"/>
+              <a:pathLst>
+                <a:path w="222" h="129">
+                  <a:moveTo>
+                    <a:pt x="222" y="0"/>
+                  </a:moveTo>
+                  <a:cubicBezTo>
+                    <a:pt x="152" y="35"/>
+                    <a:pt x="76" y="78"/>
+                    <a:pt x="0" y="129"/>
+                  </a:cubicBezTo>
+                </a:path>
+              </a:pathLst>
+            </a:custGeom>
+            <a:noFill/>
+            <a:ln w="9525" cap="flat">
+              <a:solidFill>
+                <a:schemeClr val="tx1">
+                  <a:alpha val="35000"/>
+                </a:schemeClr>
+              </a:solidFill>
+              <a:prstDash val="solid"/>
+              <a:miter lim="800000"/>
+              <a:headEnd/>
+              <a:tailEnd/>
+            </a:ln>
+            <a:extLst>
+              <a:ext uri="{909E8E84-426E-40DD-AFC4-6F175D3DCCD1}">
+                <a14:hiddenFill xmlns:a14="http://schemas.microsoft.com/office/drawing/2010/main">
+                  <a:solidFill>
+                    <a:srgbClr val="FFFFFF"/>
+                  </a:solidFill>
+                </a14:hiddenFill>
+              </a:ext>
+            </a:extLst>
+          </p:spPr>
+        </p:sp>
+        <p:sp>
+          <p:nvSpPr>
+            <p:cNvPr id="27" name="Freeform 13">
+              <a:extLst>
+                <a:ext uri="{FF2B5EF4-FFF2-40B4-BE49-F238E27FC236}">
+                  <a16:creationId xmlns:a16="http://schemas.microsoft.com/office/drawing/2014/main" id="{FE09592A-FCC9-4AE5-BA0B-730C6F3BBE95}"/>
+                </a:ext>
+                <a:ext uri="{C183D7F6-B498-43B3-948B-1728B52AA6E4}">
+                  <adec:decorative xmlns:adec="http://schemas.microsoft.com/office/drawing/2017/decorative" val="1"/>
+                </a:ext>
+              </a:extLst>
+            </p:cNvPr>
+            <p:cNvSpPr/>
+            <p:nvPr>
+              <p:extLst>
+                <p:ext uri="{386F3935-93C4-4BCD-93E2-E3B085C9AB24}">
+                  <p16:designElem xmlns:p16="http://schemas.microsoft.com/office/powerpoint/2015/main" val="1"/>
+                </p:ext>
+              </p:extLst>
+            </p:nvPr>
+          </p:nvSpPr>
+          <p:spPr bwMode="auto">
+            <a:xfrm>
+              <a:off x="5821889" y="5579"/>
+              <a:ext cx="5588000" cy="6866337"/>
+            </a:xfrm>
+            <a:custGeom>
+              <a:avLst/>
+              <a:gdLst/>
+              <a:ahLst/>
+              <a:cxnLst/>
+              <a:rect l="0" t="0" r="r" b="b"/>
+              <a:pathLst>
+                <a:path w="1174" h="1440">
+                  <a:moveTo>
+                    <a:pt x="1067" y="1440"/>
+                  </a:moveTo>
+                  <a:cubicBezTo>
+                    <a:pt x="1174" y="1124"/>
+                    <a:pt x="887" y="797"/>
+                    <a:pt x="698" y="577"/>
+                  </a:cubicBezTo>
+                  <a:cubicBezTo>
+                    <a:pt x="500" y="348"/>
+                    <a:pt x="270" y="141"/>
+                    <a:pt x="0" y="0"/>
+                  </a:cubicBezTo>
+                </a:path>
+              </a:pathLst>
+            </a:custGeom>
+            <a:noFill/>
+            <a:ln w="9525" cap="flat">
+              <a:solidFill>
+                <a:schemeClr val="tx1">
+                  <a:alpha val="35000"/>
+                </a:schemeClr>
+              </a:solidFill>
+              <a:prstDash val="dash"/>
+              <a:miter lim="800000"/>
+              <a:headEnd/>
+              <a:tailEnd/>
+            </a:ln>
+            <a:extLst>
+              <a:ext uri="{909E8E84-426E-40DD-AFC4-6F175D3DCCD1}">
+                <a14:hiddenFill xmlns:a14="http://schemas.microsoft.com/office/drawing/2010/main">
+                  <a:solidFill>
+                    <a:srgbClr val="FFFFFF"/>
+                  </a:solidFill>
+                </a14:hiddenFill>
+              </a:ext>
+            </a:extLst>
+          </p:spPr>
+        </p:sp>
+        <p:sp>
+          <p:nvSpPr>
+            <p:cNvPr id="28" name="Freeform 14">
+              <a:extLst>
+                <a:ext uri="{FF2B5EF4-FFF2-40B4-BE49-F238E27FC236}">
+                  <a16:creationId xmlns:a16="http://schemas.microsoft.com/office/drawing/2014/main" id="{96448994-820C-4BC1-ABF3-4579C6F99A63}"/>
+                </a:ext>
+                <a:ext uri="{C183D7F6-B498-43B3-948B-1728B52AA6E4}">
+                  <adec:decorative xmlns:adec="http://schemas.microsoft.com/office/drawing/2017/decorative" val="1"/>
+                </a:ext>
+              </a:extLst>
+            </p:cNvPr>
+            <p:cNvSpPr/>
+            <p:nvPr>
+              <p:extLst>
+                <p:ext uri="{386F3935-93C4-4BCD-93E2-E3B085C9AB24}">
+                  <p16:designElem xmlns:p16="http://schemas.microsoft.com/office/powerpoint/2015/main" val="1"/>
+                </p:ext>
+              </p:extLst>
+            </p:nvPr>
+          </p:nvSpPr>
+          <p:spPr bwMode="auto">
+            <a:xfrm>
+              <a:off x="3701" y="790"/>
+              <a:ext cx="595313" cy="352734"/>
+            </a:xfrm>
+            <a:custGeom>
+              <a:avLst/>
+              <a:gdLst/>
+              <a:ahLst/>
+              <a:cxnLst/>
+              <a:rect l="0" t="0" r="r" b="b"/>
+              <a:pathLst>
+                <a:path w="125" h="74">
+                  <a:moveTo>
+                    <a:pt x="125" y="0"/>
+                  </a:moveTo>
+                  <a:cubicBezTo>
+                    <a:pt x="85" y="22"/>
+                    <a:pt x="43" y="47"/>
+                    <a:pt x="0" y="74"/>
+                  </a:cubicBezTo>
+                </a:path>
+              </a:pathLst>
+            </a:custGeom>
+            <a:noFill/>
+            <a:ln w="9525" cap="flat">
+              <a:solidFill>
+                <a:schemeClr val="tx1">
+                  <a:alpha val="35000"/>
+                </a:schemeClr>
+              </a:solidFill>
+              <a:prstDash val="dash"/>
+              <a:miter lim="800000"/>
+              <a:headEnd/>
+              <a:tailEnd/>
+            </a:ln>
+            <a:extLst>
+              <a:ext uri="{909E8E84-426E-40DD-AFC4-6F175D3DCCD1}">
+                <a14:hiddenFill xmlns:a14="http://schemas.microsoft.com/office/drawing/2010/main">
+                  <a:solidFill>
+                    <a:srgbClr val="FFFFFF"/>
+                  </a:solidFill>
+                </a14:hiddenFill>
+              </a:ext>
+            </a:extLst>
+          </p:spPr>
+        </p:sp>
+        <p:sp>
+          <p:nvSpPr>
+            <p:cNvPr id="29" name="Freeform 15">
+              <a:extLst>
+                <a:ext uri="{FF2B5EF4-FFF2-40B4-BE49-F238E27FC236}">
+                  <a16:creationId xmlns:a16="http://schemas.microsoft.com/office/drawing/2014/main" id="{9BB0D192-565A-42B9-B292-CC032D71A6A1}"/>
+                </a:ext>
+                <a:ext uri="{C183D7F6-B498-43B3-948B-1728B52AA6E4}">
+                  <adec:decorative xmlns:adec="http://schemas.microsoft.com/office/drawing/2017/decorative" val="1"/>
+                </a:ext>
+              </a:extLst>
+            </p:cNvPr>
+            <p:cNvSpPr/>
+            <p:nvPr>
+              <p:extLst>
+                <p:ext uri="{386F3935-93C4-4BCD-93E2-E3B085C9AB24}">
+                  <p16:designElem xmlns:p16="http://schemas.microsoft.com/office/powerpoint/2015/main" val="1"/>
+                </p:ext>
+              </p:extLst>
+            </p:nvPr>
+          </p:nvSpPr>
+          <p:spPr bwMode="auto">
+            <a:xfrm>
+              <a:off x="6012389" y="5579"/>
+              <a:ext cx="5497513" cy="6866337"/>
+            </a:xfrm>
+            <a:custGeom>
+              <a:avLst/>
+              <a:gdLst/>
+              <a:ahLst/>
+              <a:cxnLst/>
+              <a:rect l="0" t="0" r="r" b="b"/>
+              <a:pathLst>
+                <a:path w="1155" h="1440">
+                  <a:moveTo>
+                    <a:pt x="1056" y="1440"/>
+                  </a:moveTo>
+                  <a:cubicBezTo>
+                    <a:pt x="1155" y="1123"/>
+                    <a:pt x="875" y="801"/>
+                    <a:pt x="686" y="580"/>
+                  </a:cubicBezTo>
+                  <a:cubicBezTo>
+                    <a:pt x="491" y="352"/>
+                    <a:pt x="264" y="145"/>
+                    <a:pt x="0" y="0"/>
+                  </a:cubicBezTo>
+                </a:path>
+              </a:pathLst>
+            </a:custGeom>
+            <a:noFill/>
+            <a:ln w="12700" cap="flat">
+              <a:solidFill>
+                <a:schemeClr val="tx1">
+                  <a:alpha val="35000"/>
+                </a:schemeClr>
+              </a:solidFill>
+              <a:prstDash val="dashDot"/>
+              <a:miter lim="800000"/>
+              <a:headEnd/>
+              <a:tailEnd/>
+            </a:ln>
+            <a:extLst>
+              <a:ext uri="{909E8E84-426E-40DD-AFC4-6F175D3DCCD1}">
+                <a14:hiddenFill xmlns:a14="http://schemas.microsoft.com/office/drawing/2010/main">
+                  <a:solidFill>
+                    <a:srgbClr val="FFFFFF"/>
+                  </a:solidFill>
+                </a14:hiddenFill>
+              </a:ext>
+            </a:extLst>
+          </p:spPr>
+        </p:sp>
+        <p:sp>
+          <p:nvSpPr>
+            <p:cNvPr id="30" name="Freeform 16">
+              <a:extLst>
+                <a:ext uri="{FF2B5EF4-FFF2-40B4-BE49-F238E27FC236}">
+                  <a16:creationId xmlns:a16="http://schemas.microsoft.com/office/drawing/2014/main" id="{6D1CA09C-5F40-4E92-A7E9-D1FCEE51283D}"/>
+                </a:ext>
+                <a:ext uri="{C183D7F6-B498-43B3-948B-1728B52AA6E4}">
+                  <adec:decorative xmlns:adec="http://schemas.microsoft.com/office/drawing/2017/decorative" val="1"/>
+                </a:ext>
+              </a:extLst>
+            </p:cNvPr>
+            <p:cNvSpPr/>
+            <p:nvPr>
+              <p:extLst>
+                <p:ext uri="{386F3935-93C4-4BCD-93E2-E3B085C9AB24}">
+                  <p16:designElem xmlns:p16="http://schemas.microsoft.com/office/powerpoint/2015/main" val="1"/>
+                </p:ext>
+              </p:extLst>
+            </p:nvPr>
+          </p:nvSpPr>
+          <p:spPr bwMode="auto">
+            <a:xfrm>
+              <a:off x="-1061" y="5579"/>
+              <a:ext cx="357188" cy="213875"/>
+            </a:xfrm>
+            <a:custGeom>
+              <a:avLst/>
+              <a:gdLst/>
+              <a:ahLst/>
+              <a:cxnLst/>
+              <a:rect l="0" t="0" r="r" b="b"/>
+              <a:pathLst>
+                <a:path w="75" h="45">
+                  <a:moveTo>
+                    <a:pt x="75" y="0"/>
+                  </a:moveTo>
+                  <a:cubicBezTo>
+                    <a:pt x="50" y="14"/>
+                    <a:pt x="25" y="29"/>
+                    <a:pt x="0" y="45"/>
+                  </a:cubicBezTo>
+                </a:path>
+              </a:pathLst>
+            </a:custGeom>
+            <a:noFill/>
+            <a:ln w="12700" cap="flat">
+              <a:solidFill>
+                <a:schemeClr val="tx1">
+                  <a:alpha val="35000"/>
+                </a:schemeClr>
+              </a:solidFill>
+              <a:prstDash val="dashDot"/>
+              <a:miter lim="800000"/>
+              <a:headEnd/>
+              <a:tailEnd/>
+            </a:ln>
+            <a:extLst>
+              <a:ext uri="{909E8E84-426E-40DD-AFC4-6F175D3DCCD1}">
+                <a14:hiddenFill xmlns:a14="http://schemas.microsoft.com/office/drawing/2010/main">
+                  <a:solidFill>
+                    <a:srgbClr val="FFFFFF"/>
+                  </a:solidFill>
+                </a14:hiddenFill>
+              </a:ext>
+            </a:extLst>
+          </p:spPr>
+        </p:sp>
+        <p:sp>
+          <p:nvSpPr>
+            <p:cNvPr id="31" name="Freeform 17">
+              <a:extLst>
+                <a:ext uri="{FF2B5EF4-FFF2-40B4-BE49-F238E27FC236}">
+                  <a16:creationId xmlns:a16="http://schemas.microsoft.com/office/drawing/2014/main" id="{379F5AA5-2E14-4880-A5A6-07AEF2AD89DB}"/>
+                </a:ext>
+                <a:ext uri="{C183D7F6-B498-43B3-948B-1728B52AA6E4}">
+                  <adec:decorative xmlns:adec="http://schemas.microsoft.com/office/drawing/2017/decorative" val="1"/>
+                </a:ext>
+              </a:extLst>
+            </p:cNvPr>
+            <p:cNvSpPr/>
+            <p:nvPr>
+              <p:extLst>
+                <p:ext uri="{386F3935-93C4-4BCD-93E2-E3B085C9AB24}">
+                  <p16:designElem xmlns:p16="http://schemas.microsoft.com/office/powerpoint/2015/main" val="1"/>
+                </p:ext>
+              </p:extLst>
+            </p:nvPr>
+          </p:nvSpPr>
+          <p:spPr bwMode="auto">
+            <a:xfrm>
+              <a:off x="6210826" y="790"/>
+              <a:ext cx="5522913" cy="6871126"/>
+            </a:xfrm>
+            <a:custGeom>
+              <a:avLst/>
+              <a:gdLst/>
+              <a:ahLst/>
+              <a:cxnLst/>
+              <a:rect l="0" t="0" r="r" b="b"/>
+              <a:pathLst>
+                <a:path w="1160" h="1441">
+                  <a:moveTo>
+                    <a:pt x="1053" y="1441"/>
+                  </a:moveTo>
+                  <a:cubicBezTo>
+                    <a:pt x="1160" y="1129"/>
+                    <a:pt x="892" y="817"/>
+                    <a:pt x="705" y="599"/>
+                  </a:cubicBezTo>
+                  <a:cubicBezTo>
+                    <a:pt x="503" y="365"/>
+                    <a:pt x="270" y="152"/>
+                    <a:pt x="0" y="0"/>
+                  </a:cubicBezTo>
+                </a:path>
+              </a:pathLst>
+            </a:custGeom>
+            <a:noFill/>
+            <a:ln w="9525" cap="flat">
+              <a:solidFill>
+                <a:schemeClr val="tx1">
+                  <a:alpha val="35000"/>
+                </a:schemeClr>
+              </a:solidFill>
+              <a:prstDash val="solid"/>
+              <a:miter lim="800000"/>
+              <a:headEnd/>
+              <a:tailEnd/>
+            </a:ln>
+            <a:extLst>
+              <a:ext uri="{909E8E84-426E-40DD-AFC4-6F175D3DCCD1}">
+                <a14:hiddenFill xmlns:a14="http://schemas.microsoft.com/office/drawing/2010/main">
+                  <a:solidFill>
+                    <a:srgbClr val="FFFFFF"/>
+                  </a:solidFill>
+                </a14:hiddenFill>
+              </a:ext>
+            </a:extLst>
+          </p:spPr>
+        </p:sp>
+        <p:sp>
+          <p:nvSpPr>
+            <p:cNvPr id="32" name="Freeform 18">
+              <a:extLst>
+                <a:ext uri="{FF2B5EF4-FFF2-40B4-BE49-F238E27FC236}">
+                  <a16:creationId xmlns:a16="http://schemas.microsoft.com/office/drawing/2014/main" id="{EF14BD32-D239-4DA3-98B3-7752073657CC}"/>
+                </a:ext>
+                <a:ext uri="{C183D7F6-B498-43B3-948B-1728B52AA6E4}">
+                  <adec:decorative xmlns:adec="http://schemas.microsoft.com/office/drawing/2017/decorative" val="1"/>
+                </a:ext>
+              </a:extLst>
+            </p:cNvPr>
+            <p:cNvSpPr/>
+            <p:nvPr>
+              <p:extLst>
+                <p:ext uri="{386F3935-93C4-4BCD-93E2-E3B085C9AB24}">
+                  <p16:designElem xmlns:p16="http://schemas.microsoft.com/office/powerpoint/2015/main" val="1"/>
+                </p:ext>
+              </p:extLst>
+            </p:nvPr>
+          </p:nvSpPr>
+          <p:spPr bwMode="auto">
+            <a:xfrm>
+              <a:off x="6463239" y="5579"/>
+              <a:ext cx="5413375" cy="6866337"/>
+            </a:xfrm>
+            <a:custGeom>
+              <a:avLst/>
+              <a:gdLst/>
+              <a:ahLst/>
+              <a:cxnLst/>
+              <a:rect l="0" t="0" r="r" b="b"/>
+              <a:pathLst>
+                <a:path w="1137" h="1440">
+                  <a:moveTo>
+                    <a:pt x="1040" y="1440"/>
+                  </a:moveTo>
+                  <a:cubicBezTo>
+                    <a:pt x="1137" y="1131"/>
+                    <a:pt x="883" y="828"/>
+                    <a:pt x="698" y="611"/>
+                  </a:cubicBezTo>
+                  <a:cubicBezTo>
+                    <a:pt x="498" y="375"/>
+                    <a:pt x="268" y="159"/>
+                    <a:pt x="0" y="0"/>
+                  </a:cubicBezTo>
+                </a:path>
+              </a:pathLst>
+            </a:custGeom>
+            <a:noFill/>
+            <a:ln w="9525" cap="flat">
+              <a:solidFill>
+                <a:schemeClr val="tx1">
+                  <a:alpha val="35000"/>
+                </a:schemeClr>
+              </a:solidFill>
+              <a:prstDash val="solid"/>
+              <a:miter lim="800000"/>
+              <a:headEnd/>
+              <a:tailEnd/>
+            </a:ln>
+            <a:extLst>
+              <a:ext uri="{909E8E84-426E-40DD-AFC4-6F175D3DCCD1}">
+                <a14:hiddenFill xmlns:a14="http://schemas.microsoft.com/office/drawing/2010/main">
+                  <a:solidFill>
+                    <a:srgbClr val="FFFFFF"/>
+                  </a:solidFill>
+                </a14:hiddenFill>
+              </a:ext>
+            </a:extLst>
+          </p:spPr>
+        </p:sp>
+        <p:sp>
+          <p:nvSpPr>
+            <p:cNvPr id="33" name="Freeform 19">
+              <a:extLst>
+                <a:ext uri="{FF2B5EF4-FFF2-40B4-BE49-F238E27FC236}">
+                  <a16:creationId xmlns:a16="http://schemas.microsoft.com/office/drawing/2014/main" id="{CF07B250-E5E4-4624-9BD7-8D513A67B731}"/>
+                </a:ext>
+                <a:ext uri="{C183D7F6-B498-43B3-948B-1728B52AA6E4}">
+                  <adec:decorative xmlns:adec="http://schemas.microsoft.com/office/drawing/2017/decorative" val="1"/>
+                </a:ext>
+              </a:extLst>
+            </p:cNvPr>
+            <p:cNvSpPr/>
+            <p:nvPr>
+              <p:extLst>
+                <p:ext uri="{386F3935-93C4-4BCD-93E2-E3B085C9AB24}">
+                  <p16:designElem xmlns:p16="http://schemas.microsoft.com/office/powerpoint/2015/main" val="1"/>
+                </p:ext>
+              </p:extLst>
+            </p:nvPr>
+          </p:nvSpPr>
+          <p:spPr bwMode="auto">
+            <a:xfrm>
+              <a:off x="6877576" y="5579"/>
+              <a:ext cx="5037138" cy="6861550"/>
+            </a:xfrm>
+            <a:custGeom>
+              <a:avLst/>
+              <a:gdLst/>
+              <a:ahLst/>
+              <a:cxnLst/>
+              <a:rect l="0" t="0" r="r" b="b"/>
+              <a:pathLst>
+                <a:path w="1058" h="1439">
+                  <a:moveTo>
+                    <a:pt x="1011" y="1439"/>
+                  </a:moveTo>
+                  <a:cubicBezTo>
+                    <a:pt x="1058" y="1131"/>
+                    <a:pt x="825" y="841"/>
+                    <a:pt x="648" y="617"/>
+                  </a:cubicBezTo>
+                  <a:cubicBezTo>
+                    <a:pt x="462" y="383"/>
+                    <a:pt x="248" y="168"/>
+                    <a:pt x="0" y="0"/>
+                  </a:cubicBezTo>
+                </a:path>
+              </a:pathLst>
+            </a:custGeom>
+            <a:noFill/>
+            <a:ln w="9525" cap="flat">
+              <a:solidFill>
+                <a:schemeClr val="tx1">
+                  <a:alpha val="35000"/>
+                </a:schemeClr>
+              </a:solidFill>
+              <a:prstDash val="solid"/>
+              <a:miter lim="800000"/>
+              <a:headEnd/>
+              <a:tailEnd/>
+            </a:ln>
+            <a:extLst>
+              <a:ext uri="{909E8E84-426E-40DD-AFC4-6F175D3DCCD1}">
+                <a14:hiddenFill xmlns:a14="http://schemas.microsoft.com/office/drawing/2010/main">
+                  <a:solidFill>
+                    <a:srgbClr val="FFFFFF"/>
+                  </a:solidFill>
+                </a14:hiddenFill>
+              </a:ext>
+            </a:extLst>
+          </p:spPr>
+        </p:sp>
+        <p:sp>
+          <p:nvSpPr>
+            <p:cNvPr id="34" name="Freeform 20">
+              <a:extLst>
+                <a:ext uri="{FF2B5EF4-FFF2-40B4-BE49-F238E27FC236}">
+                  <a16:creationId xmlns:a16="http://schemas.microsoft.com/office/drawing/2014/main" id="{BCC5D120-7C8C-4290-865C-4EE6E4F245F9}"/>
+                </a:ext>
+                <a:ext uri="{C183D7F6-B498-43B3-948B-1728B52AA6E4}">
+                  <adec:decorative xmlns:adec="http://schemas.microsoft.com/office/drawing/2017/decorative" val="1"/>
+                </a:ext>
+              </a:extLst>
+            </p:cNvPr>
+            <p:cNvSpPr/>
+            <p:nvPr>
+              <p:extLst>
+                <p:ext uri="{386F3935-93C4-4BCD-93E2-E3B085C9AB24}">
+                  <p16:designElem xmlns:p16="http://schemas.microsoft.com/office/powerpoint/2015/main" val="1"/>
+                </p:ext>
+              </p:extLst>
+            </p:nvPr>
+          </p:nvSpPr>
+          <p:spPr bwMode="auto">
+            <a:xfrm>
+              <a:off x="8768289" y="5579"/>
+              <a:ext cx="3417888" cy="2742066"/>
+            </a:xfrm>
+            <a:custGeom>
+              <a:avLst/>
+              <a:gdLst/>
+              <a:ahLst/>
+              <a:cxnLst/>
+              <a:rect l="0" t="0" r="r" b="b"/>
+              <a:pathLst>
+                <a:path w="718" h="575">
+                  <a:moveTo>
+                    <a:pt x="718" y="575"/>
+                  </a:moveTo>
+                  <a:cubicBezTo>
+                    <a:pt x="500" y="360"/>
+                    <a:pt x="260" y="163"/>
+                    <a:pt x="0" y="0"/>
+                  </a:cubicBezTo>
+                </a:path>
+              </a:pathLst>
+            </a:custGeom>
+            <a:noFill/>
+            <a:ln w="9525" cap="flat">
+              <a:solidFill>
+                <a:schemeClr val="tx1">
+                  <a:alpha val="35000"/>
+                </a:schemeClr>
+              </a:solidFill>
+              <a:prstDash val="solid"/>
+              <a:miter lim="800000"/>
+              <a:headEnd/>
+              <a:tailEnd/>
+            </a:ln>
+            <a:extLst>
+              <a:ext uri="{909E8E84-426E-40DD-AFC4-6F175D3DCCD1}">
+                <a14:hiddenFill xmlns:a14="http://schemas.microsoft.com/office/drawing/2010/main">
+                  <a:solidFill>
+                    <a:srgbClr val="FFFFFF"/>
+                  </a:solidFill>
+                </a14:hiddenFill>
+              </a:ext>
+            </a:extLst>
+          </p:spPr>
+        </p:sp>
+        <p:sp>
+          <p:nvSpPr>
+            <p:cNvPr id="35" name="Freeform 21">
+              <a:extLst>
+                <a:ext uri="{FF2B5EF4-FFF2-40B4-BE49-F238E27FC236}">
+                  <a16:creationId xmlns:a16="http://schemas.microsoft.com/office/drawing/2014/main" id="{C24688C6-CAE5-4EF2-B2BA-A138DA0A24B9}"/>
+                </a:ext>
+                <a:ext uri="{C183D7F6-B498-43B3-948B-1728B52AA6E4}">
+                  <adec:decorative xmlns:adec="http://schemas.microsoft.com/office/drawing/2017/decorative" val="1"/>
+                </a:ext>
+              </a:extLst>
+            </p:cNvPr>
+            <p:cNvSpPr/>
+            <p:nvPr>
+              <p:extLst>
+                <p:ext uri="{386F3935-93C4-4BCD-93E2-E3B085C9AB24}">
+                  <p16:designElem xmlns:p16="http://schemas.microsoft.com/office/powerpoint/2015/main" val="1"/>
+                </p:ext>
+              </p:extLst>
+            </p:nvPr>
+          </p:nvSpPr>
+          <p:spPr bwMode="auto">
+            <a:xfrm>
+              <a:off x="9235014" y="10367"/>
+              <a:ext cx="2951163" cy="2555325"/>
+            </a:xfrm>
+            <a:custGeom>
+              <a:avLst/>
+              <a:gdLst/>
+              <a:ahLst/>
+              <a:cxnLst/>
+              <a:rect l="0" t="0" r="r" b="b"/>
+              <a:pathLst>
+                <a:path w="620" h="536">
+                  <a:moveTo>
+                    <a:pt x="620" y="536"/>
+                  </a:moveTo>
+                  <a:cubicBezTo>
+                    <a:pt x="404" y="314"/>
+                    <a:pt x="196" y="138"/>
+                    <a:pt x="0" y="0"/>
+                  </a:cubicBezTo>
+                </a:path>
+              </a:pathLst>
+            </a:custGeom>
+            <a:noFill/>
+            <a:ln w="9525" cap="flat">
+              <a:solidFill>
+                <a:schemeClr val="tx1">
+                  <a:alpha val="35000"/>
+                </a:schemeClr>
+              </a:solidFill>
+              <a:prstDash val="solid"/>
+              <a:miter lim="800000"/>
+              <a:headEnd/>
+              <a:tailEnd/>
+            </a:ln>
+            <a:extLst>
+              <a:ext uri="{909E8E84-426E-40DD-AFC4-6F175D3DCCD1}">
+                <a14:hiddenFill xmlns:a14="http://schemas.microsoft.com/office/drawing/2010/main">
+                  <a:solidFill>
+                    <a:srgbClr val="FFFFFF"/>
+                  </a:solidFill>
+                </a14:hiddenFill>
+              </a:ext>
+            </a:extLst>
+          </p:spPr>
+        </p:sp>
+        <p:sp>
+          <p:nvSpPr>
+            <p:cNvPr id="36" name="Freeform 22">
+              <a:extLst>
+                <a:ext uri="{FF2B5EF4-FFF2-40B4-BE49-F238E27FC236}">
+                  <a16:creationId xmlns:a16="http://schemas.microsoft.com/office/drawing/2014/main" id="{6BD31099-7C13-4901-A04F-632B1CD84627}"/>
+                </a:ext>
+                <a:ext uri="{C183D7F6-B498-43B3-948B-1728B52AA6E4}">
+                  <adec:decorative xmlns:adec="http://schemas.microsoft.com/office/drawing/2017/decorative" val="1"/>
+                </a:ext>
+              </a:extLst>
+            </p:cNvPr>
+            <p:cNvSpPr/>
+            <p:nvPr>
+              <p:extLst>
+                <p:ext uri="{386F3935-93C4-4BCD-93E2-E3B085C9AB24}">
+                  <p16:designElem xmlns:p16="http://schemas.microsoft.com/office/powerpoint/2015/main" val="1"/>
+                </p:ext>
+              </p:extLst>
+            </p:nvPr>
+          </p:nvSpPr>
+          <p:spPr bwMode="auto">
+            <a:xfrm>
+              <a:off x="10020826" y="5579"/>
+              <a:ext cx="2165350" cy="1358265"/>
+            </a:xfrm>
+            <a:custGeom>
+              <a:avLst/>
+              <a:gdLst/>
+              <a:ahLst/>
+              <a:cxnLst/>
+              <a:rect l="0" t="0" r="r" b="b"/>
+              <a:pathLst>
+                <a:path w="455" h="285">
+                  <a:moveTo>
+                    <a:pt x="0" y="0"/>
+                  </a:moveTo>
+                  <a:cubicBezTo>
+                    <a:pt x="153" y="85"/>
+                    <a:pt x="308" y="180"/>
+                    <a:pt x="455" y="285"/>
+                  </a:cubicBezTo>
+                </a:path>
+              </a:pathLst>
+            </a:custGeom>
+            <a:noFill/>
+            <a:ln w="9525" cap="flat">
+              <a:solidFill>
+                <a:schemeClr val="tx1">
+                  <a:alpha val="35000"/>
+                </a:schemeClr>
+              </a:solidFill>
+              <a:prstDash val="dash"/>
+              <a:miter lim="800000"/>
+              <a:headEnd/>
+              <a:tailEnd/>
+            </a:ln>
+            <a:extLst>
+              <a:ext uri="{909E8E84-426E-40DD-AFC4-6F175D3DCCD1}">
+                <a14:hiddenFill xmlns:a14="http://schemas.microsoft.com/office/drawing/2010/main">
+                  <a:solidFill>
+                    <a:srgbClr val="FFFFFF"/>
+                  </a:solidFill>
+                </a14:hiddenFill>
+              </a:ext>
+            </a:extLst>
+          </p:spPr>
+        </p:sp>
+        <p:sp>
+          <p:nvSpPr>
+            <p:cNvPr id="37" name="Freeform 23">
+              <a:extLst>
+                <a:ext uri="{FF2B5EF4-FFF2-40B4-BE49-F238E27FC236}">
+                  <a16:creationId xmlns:a16="http://schemas.microsoft.com/office/drawing/2014/main" id="{679F5FF7-82B2-4033-8FBE-63170C937833}"/>
+                </a:ext>
+                <a:ext uri="{C183D7F6-B498-43B3-948B-1728B52AA6E4}">
+                  <adec:decorative xmlns:adec="http://schemas.microsoft.com/office/drawing/2017/decorative" val="1"/>
+                </a:ext>
+              </a:extLst>
+            </p:cNvPr>
+            <p:cNvSpPr/>
+            <p:nvPr>
+              <p:extLst>
+                <p:ext uri="{386F3935-93C4-4BCD-93E2-E3B085C9AB24}">
+                  <p16:designElem xmlns:p16="http://schemas.microsoft.com/office/powerpoint/2015/main" val="1"/>
+                </p:ext>
+              </p:extLst>
+            </p:nvPr>
+          </p:nvSpPr>
+          <p:spPr bwMode="auto">
+            <a:xfrm>
+              <a:off x="11290826" y="5579"/>
+              <a:ext cx="895350" cy="534687"/>
+            </a:xfrm>
+            <a:custGeom>
+              <a:avLst/>
+              <a:gdLst/>
+              <a:ahLst/>
+              <a:cxnLst/>
+              <a:rect l="0" t="0" r="r" b="b"/>
+              <a:pathLst>
+                <a:path w="188" h="112">
+                  <a:moveTo>
+                    <a:pt x="0" y="0"/>
+                  </a:moveTo>
+                  <a:cubicBezTo>
+                    <a:pt x="63" y="36"/>
+                    <a:pt x="126" y="73"/>
+                    <a:pt x="188" y="112"/>
+                  </a:cubicBezTo>
+                </a:path>
+              </a:pathLst>
+            </a:custGeom>
+            <a:noFill/>
+            <a:ln w="9525" cap="flat">
+              <a:solidFill>
+                <a:schemeClr val="tx1">
+                  <a:alpha val="35000"/>
+                </a:schemeClr>
+              </a:solidFill>
+              <a:prstDash val="solid"/>
+              <a:miter lim="800000"/>
+              <a:headEnd/>
+              <a:tailEnd/>
+            </a:ln>
+            <a:extLst>
+              <a:ext uri="{909E8E84-426E-40DD-AFC4-6F175D3DCCD1}">
+                <a14:hiddenFill xmlns:a14="http://schemas.microsoft.com/office/drawing/2010/main">
+                  <a:solidFill>
+                    <a:srgbClr val="FFFFFF"/>
+                  </a:solidFill>
+                </a14:hiddenFill>
+              </a:ext>
+            </a:extLst>
+          </p:spPr>
+        </p:sp>
+      </p:grpSp>
+      <p:sp>
+        <p:nvSpPr>
           <p:cNvPr id="2" name="Title 1">
             <a:extLst>
               <a:ext uri="{FF2B5EF4-FFF2-40B4-BE49-F238E27FC236}">
-                <a16:creationId xmlns:a16="http://schemas.microsoft.com/office/drawing/2014/main" id="{5A8FC253-2873-49FC-8B13-A2D154ABC527}"/>
+                <a16:creationId xmlns:a16="http://schemas.microsoft.com/office/drawing/2014/main" id="{1C8B412F-74FC-436C-AE0E-564C94C07428}"/>
               </a:ext>
             </a:extLst>
           </p:cNvPr>
@@ -23548,34 +25043,311 @@
             <p:ph type="title"/>
           </p:nvPr>
         </p:nvSpPr>
-        <p:spPr/>
+        <p:spPr>
+          <a:xfrm>
+            <a:off x="888631" y="4760132"/>
+            <a:ext cx="3947420" cy="1777829"/>
+          </a:xfrm>
+        </p:spPr>
         <p:txBody>
           <a:bodyPr>
-            <a:normAutofit fontScale="90000"/>
+            <a:normAutofit/>
           </a:bodyPr>
           <a:lstStyle/>
           <a:p>
+            <a:pPr algn="l"/>
             <a:r>
-              <a:rPr lang="en-US" dirty="0"/>
-              <a:t>Performance evaluated on test set:</a:t>
+              <a:rPr lang="en-GB" sz="3100" dirty="0">
+                <a:solidFill>
+                  <a:schemeClr val="tx1"/>
+                </a:solidFill>
+              </a:rPr>
+              <a:t>Basic CNN</a:t>
             </a:r>
             <a:br>
-              <a:rPr lang="en-US" dirty="0"/>
+              <a:rPr lang="en-GB" sz="3100" dirty="0">
+                <a:solidFill>
+                  <a:schemeClr val="tx1"/>
+                </a:solidFill>
+              </a:rPr>
             </a:br>
             <a:r>
-              <a:rPr lang="en-GB" sz="4900" b="1" dirty="0"/>
-              <a:t>CNN </a:t>
+              <a:rPr lang="en-GB" sz="3100" dirty="0">
+                <a:solidFill>
+                  <a:schemeClr val="tx1"/>
+                </a:solidFill>
+              </a:rPr>
+              <a:t>30 epochs</a:t>
             </a:r>
-            <a:endParaRPr lang="en-GB" dirty="0"/>
+            <a:br>
+              <a:rPr lang="en-GB" sz="3100" dirty="0">
+                <a:solidFill>
+                  <a:schemeClr val="tx1"/>
+                </a:solidFill>
+              </a:rPr>
+            </a:br>
+            <a:r>
+              <a:rPr lang="en-GB" sz="3100" dirty="0">
+                <a:solidFill>
+                  <a:schemeClr val="tx1"/>
+                </a:solidFill>
+              </a:rPr>
+              <a:t> </a:t>
+            </a:r>
+            <a:r>
+              <a:rPr lang="en-GB" sz="3100" dirty="0" err="1">
+                <a:solidFill>
+                  <a:schemeClr val="tx1"/>
+                </a:solidFill>
+              </a:rPr>
+              <a:t>lr</a:t>
+            </a:r>
+            <a:r>
+              <a:rPr lang="en-GB" sz="3100" dirty="0">
+                <a:solidFill>
+                  <a:schemeClr val="tx1"/>
+                </a:solidFill>
+              </a:rPr>
+              <a:t> =0.01</a:t>
+            </a:r>
           </a:p>
         </p:txBody>
       </p:sp>
       <p:sp>
         <p:nvSpPr>
-          <p:cNvPr id="3" name="Content Placeholder 2">
+          <p:cNvPr id="39" name="Freeform: Shape 38">
             <a:extLst>
               <a:ext uri="{FF2B5EF4-FFF2-40B4-BE49-F238E27FC236}">
-                <a16:creationId xmlns:a16="http://schemas.microsoft.com/office/drawing/2014/main" id="{A3329EB9-5A03-4BDD-BB23-DD8621FE69CD}"/>
+                <a16:creationId xmlns:a16="http://schemas.microsoft.com/office/drawing/2014/main" id="{44C110BA-81E8-4247-853A-5F2B93E92E46}"/>
+              </a:ext>
+              <a:ext uri="{C183D7F6-B498-43B3-948B-1728B52AA6E4}">
+                <adec:decorative xmlns:adec="http://schemas.microsoft.com/office/drawing/2017/decorative" val="1"/>
+              </a:ext>
+            </a:extLst>
+          </p:cNvPr>
+          <p:cNvSpPr>
+            <a:spLocks noGrp="1" noRot="1" noChangeAspect="1" noMove="1" noResize="1" noEditPoints="1" noAdjustHandles="1" noChangeArrowheads="1" noChangeShapeType="1" noTextEdit="1"/>
+          </p:cNvSpPr>
+          <p:nvPr>
+            <p:extLst>
+              <p:ext uri="{386F3935-93C4-4BCD-93E2-E3B085C9AB24}">
+                <p16:designElem xmlns:p16="http://schemas.microsoft.com/office/powerpoint/2015/main" val="1"/>
+              </p:ext>
+            </p:extLst>
+          </p:nvPr>
+        </p:nvSpPr>
+        <p:spPr>
+          <a:xfrm>
+            <a:off x="0" y="0"/>
+            <a:ext cx="12192000" cy="4537825"/>
+          </a:xfrm>
+          <a:custGeom>
+            <a:avLst/>
+            <a:gdLst>
+              <a:gd name="connsiteX0" fmla="*/ 0 w 12192000"/>
+              <a:gd name="connsiteY0" fmla="*/ 0 h 4537825"/>
+              <a:gd name="connsiteX1" fmla="*/ 12192000 w 12192000"/>
+              <a:gd name="connsiteY1" fmla="*/ 0 h 4537825"/>
+              <a:gd name="connsiteX2" fmla="*/ 12192000 w 12192000"/>
+              <a:gd name="connsiteY2" fmla="*/ 3020937 h 4537825"/>
+              <a:gd name="connsiteX3" fmla="*/ 12192000 w 12192000"/>
+              <a:gd name="connsiteY3" fmla="*/ 3213062 h 4537825"/>
+              <a:gd name="connsiteX4" fmla="*/ 12192000 w 12192000"/>
+              <a:gd name="connsiteY4" fmla="*/ 4188880 h 4537825"/>
+              <a:gd name="connsiteX5" fmla="*/ 12113803 w 12192000"/>
+              <a:gd name="connsiteY5" fmla="*/ 4197163 h 4537825"/>
+              <a:gd name="connsiteX6" fmla="*/ 6753597 w 12192000"/>
+              <a:gd name="connsiteY6" fmla="*/ 4520720 h 4537825"/>
+              <a:gd name="connsiteX7" fmla="*/ 400746 w 12192000"/>
+              <a:gd name="connsiteY7" fmla="*/ 4349377 h 4537825"/>
+              <a:gd name="connsiteX8" fmla="*/ 0 w 12192000"/>
+              <a:gd name="connsiteY8" fmla="*/ 4312401 h 4537825"/>
+              <a:gd name="connsiteX9" fmla="*/ 0 w 12192000"/>
+              <a:gd name="connsiteY9" fmla="*/ 3213062 h 4537825"/>
+              <a:gd name="connsiteX10" fmla="*/ 0 w 12192000"/>
+              <a:gd name="connsiteY10" fmla="*/ 3020937 h 4537825"/>
+            </a:gdLst>
+            <a:ahLst/>
+            <a:cxnLst>
+              <a:cxn ang="0">
+                <a:pos x="connsiteX0" y="connsiteY0"/>
+              </a:cxn>
+              <a:cxn ang="0">
+                <a:pos x="connsiteX1" y="connsiteY1"/>
+              </a:cxn>
+              <a:cxn ang="0">
+                <a:pos x="connsiteX2" y="connsiteY2"/>
+              </a:cxn>
+              <a:cxn ang="0">
+                <a:pos x="connsiteX3" y="connsiteY3"/>
+              </a:cxn>
+              <a:cxn ang="0">
+                <a:pos x="connsiteX4" y="connsiteY4"/>
+              </a:cxn>
+              <a:cxn ang="0">
+                <a:pos x="connsiteX5" y="connsiteY5"/>
+              </a:cxn>
+              <a:cxn ang="0">
+                <a:pos x="connsiteX6" y="connsiteY6"/>
+              </a:cxn>
+              <a:cxn ang="0">
+                <a:pos x="connsiteX7" y="connsiteY7"/>
+              </a:cxn>
+              <a:cxn ang="0">
+                <a:pos x="connsiteX8" y="connsiteY8"/>
+              </a:cxn>
+              <a:cxn ang="0">
+                <a:pos x="connsiteX9" y="connsiteY9"/>
+              </a:cxn>
+              <a:cxn ang="0">
+                <a:pos x="connsiteX10" y="connsiteY10"/>
+              </a:cxn>
+            </a:cxnLst>
+            <a:rect l="l" t="t" r="r" b="b"/>
+            <a:pathLst>
+              <a:path w="12192000" h="4537825">
+                <a:moveTo>
+                  <a:pt x="0" y="0"/>
+                </a:moveTo>
+                <a:lnTo>
+                  <a:pt x="12192000" y="0"/>
+                </a:lnTo>
+                <a:lnTo>
+                  <a:pt x="12192000" y="3020937"/>
+                </a:lnTo>
+                <a:lnTo>
+                  <a:pt x="12192000" y="3213062"/>
+                </a:lnTo>
+                <a:lnTo>
+                  <a:pt x="12192000" y="4188880"/>
+                </a:lnTo>
+                <a:lnTo>
+                  <a:pt x="12113803" y="4197163"/>
+                </a:lnTo>
+                <a:cubicBezTo>
+                  <a:pt x="10139508" y="4395112"/>
+                  <a:pt x="8237152" y="4488115"/>
+                  <a:pt x="6753597" y="4520720"/>
+                </a:cubicBezTo>
+                <a:cubicBezTo>
+                  <a:pt x="4940362" y="4560569"/>
+                  <a:pt x="2657278" y="4541239"/>
+                  <a:pt x="400746" y="4349377"/>
+                </a:cubicBezTo>
+                <a:lnTo>
+                  <a:pt x="0" y="4312401"/>
+                </a:lnTo>
+                <a:lnTo>
+                  <a:pt x="0" y="3213062"/>
+                </a:lnTo>
+                <a:lnTo>
+                  <a:pt x="0" y="3020937"/>
+                </a:lnTo>
+                <a:close/>
+              </a:path>
+            </a:pathLst>
+          </a:custGeom>
+          <a:solidFill>
+            <a:schemeClr val="tx1"/>
+          </a:solidFill>
+          <a:ln w="44450">
+            <a:noFill/>
+          </a:ln>
+          <a:effectLst/>
+        </p:spPr>
+        <p:style>
+          <a:lnRef idx="2">
+            <a:schemeClr val="accent1">
+              <a:shade val="50000"/>
+            </a:schemeClr>
+          </a:lnRef>
+          <a:fillRef idx="1003">
+            <a:schemeClr val="dk2"/>
+          </a:fillRef>
+          <a:effectRef idx="0">
+            <a:schemeClr val="accent1"/>
+          </a:effectRef>
+          <a:fontRef idx="minor">
+            <a:schemeClr val="lt1"/>
+          </a:fontRef>
+        </p:style>
+        <p:txBody>
+          <a:bodyPr wrap="square" rtlCol="0" anchor="ctr">
+            <a:noAutofit/>
+          </a:bodyPr>
+          <a:lstStyle/>
+          <a:p>
+            <a:pPr algn="ctr"/>
+            <a:endParaRPr lang="en-US"/>
+          </a:p>
+        </p:txBody>
+      </p:sp>
+      <p:pic>
+        <p:nvPicPr>
+          <p:cNvPr id="9" name="Picture 8" descr="Chart, treemap chart&#10;&#10;Description automatically generated">
+            <a:extLst>
+              <a:ext uri="{FF2B5EF4-FFF2-40B4-BE49-F238E27FC236}">
+                <a16:creationId xmlns:a16="http://schemas.microsoft.com/office/drawing/2014/main" id="{916E218E-BA6D-4FC1-B7D2-BDAC22DD5255}"/>
+              </a:ext>
+            </a:extLst>
+          </p:cNvPr>
+          <p:cNvPicPr>
+            <a:picLocks noChangeAspect="1"/>
+          </p:cNvPicPr>
+          <p:nvPr/>
+        </p:nvPicPr>
+        <p:blipFill>
+          <a:blip r:embed="rId2"/>
+          <a:stretch>
+            <a:fillRect/>
+          </a:stretch>
+        </p:blipFill>
+        <p:spPr>
+          <a:xfrm>
+            <a:off x="643467" y="687794"/>
+            <a:ext cx="3539970" cy="3132873"/>
+          </a:xfrm>
+          <a:prstGeom prst="rect">
+            <a:avLst/>
+          </a:prstGeom>
+        </p:spPr>
+      </p:pic>
+      <p:pic>
+        <p:nvPicPr>
+          <p:cNvPr id="5" name="Content Placeholder 4" descr="Chart, line chart&#10;&#10;Description automatically generated">
+            <a:extLst>
+              <a:ext uri="{FF2B5EF4-FFF2-40B4-BE49-F238E27FC236}">
+                <a16:creationId xmlns:a16="http://schemas.microsoft.com/office/drawing/2014/main" id="{7A669BAD-2A9F-47D7-B2DF-E0A123D16B60}"/>
+              </a:ext>
+            </a:extLst>
+          </p:cNvPr>
+          <p:cNvPicPr>
+            <a:picLocks noChangeAspect="1"/>
+          </p:cNvPicPr>
+          <p:nvPr/>
+        </p:nvPicPr>
+        <p:blipFill>
+          <a:blip r:embed="rId3"/>
+          <a:stretch>
+            <a:fillRect/>
+          </a:stretch>
+        </p:blipFill>
+        <p:spPr>
+          <a:xfrm>
+            <a:off x="5674471" y="679984"/>
+            <a:ext cx="5443315" cy="2748874"/>
+          </a:xfrm>
+          <a:prstGeom prst="rect">
+            <a:avLst/>
+          </a:prstGeom>
+        </p:spPr>
+      </p:pic>
+      <p:sp>
+        <p:nvSpPr>
+          <p:cNvPr id="42" name="Content Placeholder 12">
+            <a:extLst>
+              <a:ext uri="{FF2B5EF4-FFF2-40B4-BE49-F238E27FC236}">
+                <a16:creationId xmlns:a16="http://schemas.microsoft.com/office/drawing/2014/main" id="{D4497081-377A-4FD9-8071-7E719C390C60}"/>
               </a:ext>
             </a:extLst>
           </p:cNvPr>
@@ -23586,24 +25358,38 @@
             <p:ph idx="1"/>
           </p:nvPr>
         </p:nvSpPr>
-        <p:spPr/>
+        <p:spPr>
+          <a:xfrm>
+            <a:off x="5308264" y="5355735"/>
+            <a:ext cx="6281873" cy="422712"/>
+          </a:xfrm>
+        </p:spPr>
         <p:txBody>
-          <a:bodyPr/>
+          <a:bodyPr>
+            <a:normAutofit/>
+          </a:bodyPr>
           <a:lstStyle/>
           <a:p>
-            <a:endParaRPr lang="en-GB" dirty="0"/>
+            <a:pPr marL="0" indent="0">
+              <a:buNone/>
+            </a:pPr>
+            <a:endParaRPr lang="en-US" dirty="0">
+              <a:solidFill>
+                <a:schemeClr val="bg1"/>
+              </a:solidFill>
+            </a:endParaRPr>
           </a:p>
         </p:txBody>
       </p:sp>
     </p:spTree>
     <p:extLst>
       <p:ext uri="{BB962C8B-B14F-4D97-AF65-F5344CB8AC3E}">
-        <p14:creationId xmlns:p14="http://schemas.microsoft.com/office/powerpoint/2010/main" val="2429628857"/>
+        <p14:creationId xmlns:p14="http://schemas.microsoft.com/office/powerpoint/2010/main" val="2205005793"/>
       </p:ext>
     </p:extLst>
   </p:cSld>
   <p:clrMapOvr>
-    <a:masterClrMapping/>
+    <a:overrideClrMapping bg1="dk1" tx1="lt1" bg2="dk2" tx2="lt2" accent1="accent1" accent2="accent2" accent3="accent3" accent4="accent4" accent5="accent5" accent6="accent6" hlink="hlink" folHlink="folHlink"/>
   </p:clrMapOvr>
 </p:sld>
 </file>
@@ -23665,35 +25451,6 @@
       </p:sp>
       <p:pic>
         <p:nvPicPr>
-          <p:cNvPr id="5" name="Content Placeholder 4" descr="Graphical user interface, text&#10;&#10;Description automatically generated">
-            <a:extLst>
-              <a:ext uri="{FF2B5EF4-FFF2-40B4-BE49-F238E27FC236}">
-                <a16:creationId xmlns:a16="http://schemas.microsoft.com/office/drawing/2014/main" id="{F1DF1030-60C3-4C66-AB53-2366B29B81A8}"/>
-              </a:ext>
-            </a:extLst>
-          </p:cNvPr>
-          <p:cNvPicPr>
-            <a:picLocks noGrp="1" noChangeAspect="1"/>
-          </p:cNvPicPr>
-          <p:nvPr>
-            <p:ph idx="1"/>
-          </p:nvPr>
-        </p:nvPicPr>
-        <p:blipFill>
-          <a:blip r:embed="rId2"/>
-          <a:stretch>
-            <a:fillRect/>
-          </a:stretch>
-        </p:blipFill>
-        <p:spPr>
-          <a:xfrm>
-            <a:off x="5729621" y="377261"/>
-            <a:ext cx="4821720" cy="655125"/>
-          </a:xfrm>
-        </p:spPr>
-      </p:pic>
-      <p:pic>
-        <p:nvPicPr>
           <p:cNvPr id="7" name="Picture 6" descr="Chart, treemap chart&#10;&#10;Description automatically generated">
             <a:extLst>
               <a:ext uri="{FF2B5EF4-FFF2-40B4-BE49-F238E27FC236}">
@@ -23707,7 +25464,7 @@
           <p:nvPr/>
         </p:nvPicPr>
         <p:blipFill>
-          <a:blip r:embed="rId3"/>
+          <a:blip r:embed="rId2"/>
           <a:stretch>
             <a:fillRect/>
           </a:stretch>
@@ -23826,66 +25583,6 @@
           </a:xfrm>
         </p:spPr>
       </p:pic>
-      <p:pic>
-        <p:nvPicPr>
-          <p:cNvPr id="5" name="Picture 4">
-            <a:extLst>
-              <a:ext uri="{FF2B5EF4-FFF2-40B4-BE49-F238E27FC236}">
-                <a16:creationId xmlns:a16="http://schemas.microsoft.com/office/drawing/2014/main" id="{BF06D3F9-00DB-47BD-8473-BA8F9438F578}"/>
-              </a:ext>
-            </a:extLst>
-          </p:cNvPr>
-          <p:cNvPicPr>
-            <a:picLocks noChangeAspect="1"/>
-          </p:cNvPicPr>
-          <p:nvPr/>
-        </p:nvPicPr>
-        <p:blipFill>
-          <a:blip r:embed="rId3"/>
-          <a:stretch>
-            <a:fillRect/>
-          </a:stretch>
-        </p:blipFill>
-        <p:spPr>
-          <a:xfrm>
-            <a:off x="5553241" y="918375"/>
-            <a:ext cx="4671220" cy="687787"/>
-          </a:xfrm>
-          <a:prstGeom prst="rect">
-            <a:avLst/>
-          </a:prstGeom>
-        </p:spPr>
-      </p:pic>
-      <p:pic>
-        <p:nvPicPr>
-          <p:cNvPr id="9" name="Picture 8" descr="Text&#10;&#10;Description automatically generated with medium confidence">
-            <a:extLst>
-              <a:ext uri="{FF2B5EF4-FFF2-40B4-BE49-F238E27FC236}">
-                <a16:creationId xmlns:a16="http://schemas.microsoft.com/office/drawing/2014/main" id="{FA1FDD1E-B4CB-47AF-A2B0-DF122C7EF8A3}"/>
-              </a:ext>
-            </a:extLst>
-          </p:cNvPr>
-          <p:cNvPicPr>
-            <a:picLocks noChangeAspect="1"/>
-          </p:cNvPicPr>
-          <p:nvPr/>
-        </p:nvPicPr>
-        <p:blipFill>
-          <a:blip r:embed="rId4"/>
-          <a:stretch>
-            <a:fillRect/>
-          </a:stretch>
-        </p:blipFill>
-        <p:spPr>
-          <a:xfrm>
-            <a:off x="860056" y="5478449"/>
-            <a:ext cx="4500700" cy="774203"/>
-          </a:xfrm>
-          <a:prstGeom prst="rect">
-            <a:avLst/>
-          </a:prstGeom>
-        </p:spPr>
-      </p:pic>
     </p:spTree>
     <p:extLst>
       <p:ext uri="{BB962C8B-B14F-4D97-AF65-F5344CB8AC3E}">
@@ -24012,6 +25709,14 @@
 <file path=ppt/slides/slide20.xml><?xml version="1.0" encoding="utf-8"?>
 <p:sld xmlns:a="http://schemas.openxmlformats.org/drawingml/2006/main" xmlns:r="http://schemas.openxmlformats.org/officeDocument/2006/relationships" xmlns:p="http://schemas.openxmlformats.org/presentationml/2006/main">
   <p:cSld>
+    <p:bg>
+      <p:bgPr>
+        <a:solidFill>
+          <a:schemeClr val="bg2"/>
+        </a:solidFill>
+        <a:effectLst/>
+      </p:bgPr>
+    </p:bg>
     <p:spTree>
       <p:nvGrpSpPr>
         <p:cNvPr id="1" name=""/>
@@ -24028,6 +25733,1493 @@
       </p:grpSpPr>
       <p:sp>
         <p:nvSpPr>
+          <p:cNvPr id="14" name="Rectangle 13">
+            <a:extLst>
+              <a:ext uri="{FF2B5EF4-FFF2-40B4-BE49-F238E27FC236}">
+                <a16:creationId xmlns:a16="http://schemas.microsoft.com/office/drawing/2014/main" id="{A3BAF07C-C39E-42EB-BB22-8D46691D9735}"/>
+              </a:ext>
+              <a:ext uri="{C183D7F6-B498-43B3-948B-1728B52AA6E4}">
+                <adec:decorative xmlns:adec="http://schemas.microsoft.com/office/drawing/2017/decorative" val="1"/>
+              </a:ext>
+            </a:extLst>
+          </p:cNvPr>
+          <p:cNvSpPr>
+            <a:spLocks noGrp="1" noRot="1" noChangeAspect="1" noMove="1" noResize="1" noEditPoints="1" noAdjustHandles="1" noChangeArrowheads="1" noChangeShapeType="1" noTextEdit="1"/>
+          </p:cNvSpPr>
+          <p:nvPr>
+            <p:extLst>
+              <p:ext uri="{386F3935-93C4-4BCD-93E2-E3B085C9AB24}">
+                <p16:designElem xmlns:p16="http://schemas.microsoft.com/office/powerpoint/2015/main" val="1"/>
+              </p:ext>
+            </p:extLst>
+          </p:nvPr>
+        </p:nvSpPr>
+        <p:spPr>
+          <a:xfrm>
+            <a:off x="-1" y="0"/>
+            <a:ext cx="12193061" cy="6858000"/>
+          </a:xfrm>
+          <a:prstGeom prst="rect">
+            <a:avLst/>
+          </a:prstGeom>
+          <a:solidFill>
+            <a:schemeClr val="bg2"/>
+          </a:solidFill>
+          <a:ln>
+            <a:noFill/>
+          </a:ln>
+        </p:spPr>
+        <p:style>
+          <a:lnRef idx="2">
+            <a:schemeClr val="accent1">
+              <a:shade val="50000"/>
+            </a:schemeClr>
+          </a:lnRef>
+          <a:fillRef idx="1">
+            <a:schemeClr val="accent1"/>
+          </a:fillRef>
+          <a:effectRef idx="0">
+            <a:schemeClr val="accent1"/>
+          </a:effectRef>
+          <a:fontRef idx="minor">
+            <a:schemeClr val="lt1"/>
+          </a:fontRef>
+        </p:style>
+        <p:txBody>
+          <a:bodyPr rtlCol="0" anchor="ctr"/>
+          <a:lstStyle/>
+          <a:p>
+            <a:pPr algn="ctr"/>
+            <a:endParaRPr lang="en-US"/>
+          </a:p>
+        </p:txBody>
+      </p:sp>
+      <p:grpSp>
+        <p:nvGrpSpPr>
+          <p:cNvPr id="16" name="Group 15">
+            <a:extLst>
+              <a:ext uri="{FF2B5EF4-FFF2-40B4-BE49-F238E27FC236}">
+                <a16:creationId xmlns:a16="http://schemas.microsoft.com/office/drawing/2014/main" id="{D8E9CF54-0466-4261-9E62-0249E60E1886}"/>
+              </a:ext>
+              <a:ext uri="{C183D7F6-B498-43B3-948B-1728B52AA6E4}">
+                <adec:decorative xmlns:adec="http://schemas.microsoft.com/office/drawing/2017/decorative" val="1"/>
+              </a:ext>
+            </a:extLst>
+          </p:cNvPr>
+          <p:cNvGrpSpPr>
+            <a:grpSpLocks noGrp="1" noUngrp="1" noRot="1" noChangeAspect="1" noMove="1" noResize="1"/>
+          </p:cNvGrpSpPr>
+          <p:nvPr>
+            <p:extLst>
+              <p:ext uri="{386F3935-93C4-4BCD-93E2-E3B085C9AB24}">
+                <p16:designElem xmlns:p16="http://schemas.microsoft.com/office/powerpoint/2015/main" val="1"/>
+              </p:ext>
+            </p:extLst>
+          </p:nvPr>
+        </p:nvGrpSpPr>
+        <p:grpSpPr>
+          <a:xfrm>
+            <a:off x="-329674" y="-59376"/>
+            <a:ext cx="12515851" cy="6923798"/>
+            <a:chOff x="-329674" y="-51881"/>
+            <a:chExt cx="12515851" cy="6923798"/>
+          </a:xfrm>
+        </p:grpSpPr>
+        <p:sp>
+          <p:nvSpPr>
+            <p:cNvPr id="17" name="Freeform 5">
+              <a:extLst>
+                <a:ext uri="{FF2B5EF4-FFF2-40B4-BE49-F238E27FC236}">
+                  <a16:creationId xmlns:a16="http://schemas.microsoft.com/office/drawing/2014/main" id="{33E32106-E8B1-4F76-9EE6-58537738A3C4}"/>
+                </a:ext>
+                <a:ext uri="{C183D7F6-B498-43B3-948B-1728B52AA6E4}">
+                  <adec:decorative xmlns:adec="http://schemas.microsoft.com/office/drawing/2017/decorative" val="1"/>
+                </a:ext>
+              </a:extLst>
+            </p:cNvPr>
+            <p:cNvSpPr/>
+            <p:nvPr>
+              <p:extLst>
+                <p:ext uri="{386F3935-93C4-4BCD-93E2-E3B085C9AB24}">
+                  <p16:designElem xmlns:p16="http://schemas.microsoft.com/office/powerpoint/2015/main" val="1"/>
+                </p:ext>
+              </p:extLst>
+            </p:nvPr>
+          </p:nvSpPr>
+          <p:spPr bwMode="auto">
+            <a:xfrm>
+              <a:off x="-329674" y="1298404"/>
+              <a:ext cx="9702800" cy="5573512"/>
+            </a:xfrm>
+            <a:custGeom>
+              <a:avLst/>
+              <a:gdLst/>
+              <a:ahLst/>
+              <a:cxnLst/>
+              <a:rect l="0" t="0" r="r" b="b"/>
+              <a:pathLst>
+                <a:path w="2038" h="1169">
+                  <a:moveTo>
+                    <a:pt x="1752" y="1169"/>
+                  </a:moveTo>
+                  <a:cubicBezTo>
+                    <a:pt x="2038" y="928"/>
+                    <a:pt x="1673" y="513"/>
+                    <a:pt x="1487" y="334"/>
+                  </a:cubicBezTo>
+                  <a:cubicBezTo>
+                    <a:pt x="1316" y="170"/>
+                    <a:pt x="1099" y="43"/>
+                    <a:pt x="860" y="22"/>
+                  </a:cubicBezTo>
+                  <a:cubicBezTo>
+                    <a:pt x="621" y="0"/>
+                    <a:pt x="341" y="128"/>
+                    <a:pt x="199" y="318"/>
+                  </a:cubicBezTo>
+                  <a:cubicBezTo>
+                    <a:pt x="0" y="586"/>
+                    <a:pt x="184" y="965"/>
+                    <a:pt x="399" y="1165"/>
+                  </a:cubicBezTo>
+                </a:path>
+              </a:pathLst>
+            </a:custGeom>
+            <a:noFill/>
+            <a:ln w="9525" cap="flat">
+              <a:solidFill>
+                <a:schemeClr val="tx1">
+                  <a:alpha val="35000"/>
+                </a:schemeClr>
+              </a:solidFill>
+              <a:prstDash val="solid"/>
+              <a:miter lim="800000"/>
+              <a:headEnd/>
+              <a:tailEnd/>
+            </a:ln>
+            <a:extLst>
+              <a:ext uri="{909E8E84-426E-40DD-AFC4-6F175D3DCCD1}">
+                <a14:hiddenFill xmlns:a14="http://schemas.microsoft.com/office/drawing/2010/main">
+                  <a:solidFill>
+                    <a:srgbClr val="FFFFFF"/>
+                  </a:solidFill>
+                </a14:hiddenFill>
+              </a:ext>
+            </a:extLst>
+          </p:spPr>
+        </p:sp>
+        <p:sp>
+          <p:nvSpPr>
+            <p:cNvPr id="18" name="Freeform 6">
+              <a:extLst>
+                <a:ext uri="{FF2B5EF4-FFF2-40B4-BE49-F238E27FC236}">
+                  <a16:creationId xmlns:a16="http://schemas.microsoft.com/office/drawing/2014/main" id="{C32C2C46-A045-44FB-8A74-5EBD650C2787}"/>
+                </a:ext>
+                <a:ext uri="{C183D7F6-B498-43B3-948B-1728B52AA6E4}">
+                  <adec:decorative xmlns:adec="http://schemas.microsoft.com/office/drawing/2017/decorative" val="1"/>
+                </a:ext>
+              </a:extLst>
+            </p:cNvPr>
+            <p:cNvSpPr/>
+            <p:nvPr>
+              <p:extLst>
+                <p:ext uri="{386F3935-93C4-4BCD-93E2-E3B085C9AB24}">
+                  <p16:designElem xmlns:p16="http://schemas.microsoft.com/office/powerpoint/2015/main" val="1"/>
+                </p:ext>
+              </p:extLst>
+            </p:nvPr>
+          </p:nvSpPr>
+          <p:spPr bwMode="auto">
+            <a:xfrm>
+              <a:off x="670451" y="2018236"/>
+              <a:ext cx="7373938" cy="4848892"/>
+            </a:xfrm>
+            <a:custGeom>
+              <a:avLst/>
+              <a:gdLst/>
+              <a:ahLst/>
+              <a:cxnLst/>
+              <a:rect l="0" t="0" r="r" b="b"/>
+              <a:pathLst>
+                <a:path w="1549" h="1017">
+                  <a:moveTo>
+                    <a:pt x="1025" y="1016"/>
+                  </a:moveTo>
+                  <a:cubicBezTo>
+                    <a:pt x="1223" y="971"/>
+                    <a:pt x="1549" y="857"/>
+                    <a:pt x="1443" y="592"/>
+                  </a:cubicBezTo>
+                  <a:cubicBezTo>
+                    <a:pt x="1344" y="344"/>
+                    <a:pt x="1041" y="111"/>
+                    <a:pt x="782" y="53"/>
+                  </a:cubicBezTo>
+                  <a:cubicBezTo>
+                    <a:pt x="545" y="0"/>
+                    <a:pt x="275" y="117"/>
+                    <a:pt x="150" y="329"/>
+                  </a:cubicBezTo>
+                  <a:cubicBezTo>
+                    <a:pt x="0" y="584"/>
+                    <a:pt x="243" y="911"/>
+                    <a:pt x="477" y="1017"/>
+                  </a:cubicBezTo>
+                </a:path>
+              </a:pathLst>
+            </a:custGeom>
+            <a:noFill/>
+            <a:ln w="9525" cap="flat">
+              <a:solidFill>
+                <a:schemeClr val="tx1">
+                  <a:alpha val="35000"/>
+                </a:schemeClr>
+              </a:solidFill>
+              <a:prstDash val="solid"/>
+              <a:miter lim="800000"/>
+              <a:headEnd/>
+              <a:tailEnd/>
+            </a:ln>
+            <a:extLst>
+              <a:ext uri="{909E8E84-426E-40DD-AFC4-6F175D3DCCD1}">
+                <a14:hiddenFill xmlns:a14="http://schemas.microsoft.com/office/drawing/2010/main">
+                  <a:solidFill>
+                    <a:srgbClr val="FFFFFF"/>
+                  </a:solidFill>
+                </a14:hiddenFill>
+              </a:ext>
+            </a:extLst>
+          </p:spPr>
+        </p:sp>
+        <p:sp>
+          <p:nvSpPr>
+            <p:cNvPr id="19" name="Freeform 7">
+              <a:extLst>
+                <a:ext uri="{FF2B5EF4-FFF2-40B4-BE49-F238E27FC236}">
+                  <a16:creationId xmlns:a16="http://schemas.microsoft.com/office/drawing/2014/main" id="{6A76F79C-6683-4940-BCF7-4BCCCEE40688}"/>
+                </a:ext>
+                <a:ext uri="{C183D7F6-B498-43B3-948B-1728B52AA6E4}">
+                  <adec:decorative xmlns:adec="http://schemas.microsoft.com/office/drawing/2017/decorative" val="1"/>
+                </a:ext>
+              </a:extLst>
+            </p:cNvPr>
+            <p:cNvSpPr/>
+            <p:nvPr>
+              <p:extLst>
+                <p:ext uri="{386F3935-93C4-4BCD-93E2-E3B085C9AB24}">
+                  <p16:designElem xmlns:p16="http://schemas.microsoft.com/office/powerpoint/2015/main" val="1"/>
+                </p:ext>
+              </p:extLst>
+            </p:nvPr>
+          </p:nvSpPr>
+          <p:spPr bwMode="auto">
+            <a:xfrm>
+              <a:off x="251351" y="1788400"/>
+              <a:ext cx="8035925" cy="5083516"/>
+            </a:xfrm>
+            <a:custGeom>
+              <a:avLst/>
+              <a:gdLst/>
+              <a:ahLst/>
+              <a:cxnLst/>
+              <a:rect l="0" t="0" r="r" b="b"/>
+              <a:pathLst>
+                <a:path w="1688" h="1066">
+                  <a:moveTo>
+                    <a:pt x="1302" y="1066"/>
+                  </a:moveTo>
+                  <a:cubicBezTo>
+                    <a:pt x="1416" y="1024"/>
+                    <a:pt x="1551" y="962"/>
+                    <a:pt x="1613" y="850"/>
+                  </a:cubicBezTo>
+                  <a:cubicBezTo>
+                    <a:pt x="1688" y="715"/>
+                    <a:pt x="1606" y="575"/>
+                    <a:pt x="1517" y="471"/>
+                  </a:cubicBezTo>
+                  <a:cubicBezTo>
+                    <a:pt x="1336" y="258"/>
+                    <a:pt x="1084" y="62"/>
+                    <a:pt x="798" y="28"/>
+                  </a:cubicBezTo>
+                  <a:cubicBezTo>
+                    <a:pt x="559" y="0"/>
+                    <a:pt x="317" y="138"/>
+                    <a:pt x="181" y="333"/>
+                  </a:cubicBezTo>
+                  <a:cubicBezTo>
+                    <a:pt x="0" y="592"/>
+                    <a:pt x="191" y="907"/>
+                    <a:pt x="420" y="1066"/>
+                  </a:cubicBezTo>
+                </a:path>
+              </a:pathLst>
+            </a:custGeom>
+            <a:noFill/>
+            <a:ln w="9525" cap="flat">
+              <a:solidFill>
+                <a:schemeClr val="tx1">
+                  <a:alpha val="35000"/>
+                </a:schemeClr>
+              </a:solidFill>
+              <a:prstDash val="dash"/>
+              <a:miter lim="800000"/>
+              <a:headEnd/>
+              <a:tailEnd/>
+            </a:ln>
+            <a:extLst>
+              <a:ext uri="{909E8E84-426E-40DD-AFC4-6F175D3DCCD1}">
+                <a14:hiddenFill xmlns:a14="http://schemas.microsoft.com/office/drawing/2010/main">
+                  <a:solidFill>
+                    <a:srgbClr val="FFFFFF"/>
+                  </a:solidFill>
+                </a14:hiddenFill>
+              </a:ext>
+            </a:extLst>
+          </p:spPr>
+        </p:sp>
+        <p:sp>
+          <p:nvSpPr>
+            <p:cNvPr id="20" name="Freeform 8">
+              <a:extLst>
+                <a:ext uri="{FF2B5EF4-FFF2-40B4-BE49-F238E27FC236}">
+                  <a16:creationId xmlns:a16="http://schemas.microsoft.com/office/drawing/2014/main" id="{FF4675A3-6D07-4B1F-9BFC-AEBEA1AD067D}"/>
+                </a:ext>
+                <a:ext uri="{C183D7F6-B498-43B3-948B-1728B52AA6E4}">
+                  <adec:decorative xmlns:adec="http://schemas.microsoft.com/office/drawing/2017/decorative" val="1"/>
+                </a:ext>
+              </a:extLst>
+            </p:cNvPr>
+            <p:cNvSpPr/>
+            <p:nvPr>
+              <p:extLst>
+                <p:ext uri="{386F3935-93C4-4BCD-93E2-E3B085C9AB24}">
+                  <p16:designElem xmlns:p16="http://schemas.microsoft.com/office/powerpoint/2015/main" val="1"/>
+                </p:ext>
+              </p:extLst>
+            </p:nvPr>
+          </p:nvSpPr>
+          <p:spPr bwMode="auto">
+            <a:xfrm>
+              <a:off x="-1061" y="549842"/>
+              <a:ext cx="10334625" cy="6322075"/>
+            </a:xfrm>
+            <a:custGeom>
+              <a:avLst/>
+              <a:gdLst/>
+              <a:ahLst/>
+              <a:cxnLst/>
+              <a:rect l="0" t="0" r="r" b="b"/>
+              <a:pathLst>
+                <a:path w="2171" h="1326">
+                  <a:moveTo>
+                    <a:pt x="1873" y="1326"/>
+                  </a:moveTo>
+                  <a:cubicBezTo>
+                    <a:pt x="2171" y="1045"/>
+                    <a:pt x="1825" y="678"/>
+                    <a:pt x="1609" y="473"/>
+                  </a:cubicBezTo>
+                  <a:cubicBezTo>
+                    <a:pt x="1406" y="281"/>
+                    <a:pt x="1159" y="116"/>
+                    <a:pt x="880" y="63"/>
+                  </a:cubicBezTo>
+                  <a:cubicBezTo>
+                    <a:pt x="545" y="0"/>
+                    <a:pt x="214" y="161"/>
+                    <a:pt x="0" y="423"/>
+                  </a:cubicBezTo>
+                </a:path>
+              </a:pathLst>
+            </a:custGeom>
+            <a:noFill/>
+            <a:ln w="9525" cap="flat">
+              <a:solidFill>
+                <a:schemeClr val="tx1">
+                  <a:alpha val="35000"/>
+                </a:schemeClr>
+              </a:solidFill>
+              <a:prstDash val="solid"/>
+              <a:miter lim="800000"/>
+              <a:headEnd/>
+              <a:tailEnd/>
+            </a:ln>
+            <a:extLst>
+              <a:ext uri="{909E8E84-426E-40DD-AFC4-6F175D3DCCD1}">
+                <a14:hiddenFill xmlns:a14="http://schemas.microsoft.com/office/drawing/2010/main">
+                  <a:solidFill>
+                    <a:srgbClr val="FFFFFF"/>
+                  </a:solidFill>
+                </a14:hiddenFill>
+              </a:ext>
+            </a:extLst>
+          </p:spPr>
+        </p:sp>
+        <p:sp>
+          <p:nvSpPr>
+            <p:cNvPr id="21" name="Freeform 9">
+              <a:extLst>
+                <a:ext uri="{FF2B5EF4-FFF2-40B4-BE49-F238E27FC236}">
+                  <a16:creationId xmlns:a16="http://schemas.microsoft.com/office/drawing/2014/main" id="{765E127A-B6B7-4B1D-B7BD-6C8C969D29C3}"/>
+                </a:ext>
+                <a:ext uri="{C183D7F6-B498-43B3-948B-1728B52AA6E4}">
+                  <adec:decorative xmlns:adec="http://schemas.microsoft.com/office/drawing/2017/decorative" val="1"/>
+                </a:ext>
+              </a:extLst>
+            </p:cNvPr>
+            <p:cNvSpPr/>
+            <p:nvPr>
+              <p:extLst>
+                <p:ext uri="{386F3935-93C4-4BCD-93E2-E3B085C9AB24}">
+                  <p16:designElem xmlns:p16="http://schemas.microsoft.com/office/powerpoint/2015/main" val="1"/>
+                </p:ext>
+              </p:extLst>
+            </p:nvPr>
+          </p:nvSpPr>
+          <p:spPr bwMode="auto">
+            <a:xfrm>
+              <a:off x="3701" y="6186246"/>
+              <a:ext cx="504825" cy="681527"/>
+            </a:xfrm>
+            <a:custGeom>
+              <a:avLst/>
+              <a:gdLst/>
+              <a:ahLst/>
+              <a:cxnLst/>
+              <a:rect l="0" t="0" r="r" b="b"/>
+              <a:pathLst>
+                <a:path w="106" h="143">
+                  <a:moveTo>
+                    <a:pt x="0" y="0"/>
+                  </a:moveTo>
+                  <a:cubicBezTo>
+                    <a:pt x="35" y="54"/>
+                    <a:pt x="70" y="101"/>
+                    <a:pt x="106" y="143"/>
+                  </a:cubicBezTo>
+                </a:path>
+              </a:pathLst>
+            </a:custGeom>
+            <a:noFill/>
+            <a:ln w="4763" cap="flat">
+              <a:solidFill>
+                <a:schemeClr val="tx1">
+                  <a:alpha val="35000"/>
+                </a:schemeClr>
+              </a:solidFill>
+              <a:prstDash val="solid"/>
+              <a:miter lim="800000"/>
+              <a:headEnd/>
+              <a:tailEnd/>
+            </a:ln>
+            <a:extLst>
+              <a:ext uri="{909E8E84-426E-40DD-AFC4-6F175D3DCCD1}">
+                <a14:hiddenFill xmlns:a14="http://schemas.microsoft.com/office/drawing/2010/main">
+                  <a:solidFill>
+                    <a:srgbClr val="FFFFFF"/>
+                  </a:solidFill>
+                </a14:hiddenFill>
+              </a:ext>
+            </a:extLst>
+          </p:spPr>
+        </p:sp>
+        <p:sp>
+          <p:nvSpPr>
+            <p:cNvPr id="22" name="Freeform 10">
+              <a:extLst>
+                <a:ext uri="{FF2B5EF4-FFF2-40B4-BE49-F238E27FC236}">
+                  <a16:creationId xmlns:a16="http://schemas.microsoft.com/office/drawing/2014/main" id="{3BCA9D9E-C72C-4751-BFA9-10B85CACE3CA}"/>
+                </a:ext>
+                <a:ext uri="{C183D7F6-B498-43B3-948B-1728B52AA6E4}">
+                  <adec:decorative xmlns:adec="http://schemas.microsoft.com/office/drawing/2017/decorative" val="1"/>
+                </a:ext>
+              </a:extLst>
+            </p:cNvPr>
+            <p:cNvSpPr/>
+            <p:nvPr>
+              <p:extLst>
+                <p:ext uri="{386F3935-93C4-4BCD-93E2-E3B085C9AB24}">
+                  <p16:designElem xmlns:p16="http://schemas.microsoft.com/office/powerpoint/2015/main" val="1"/>
+                </p:ext>
+              </p:extLst>
+            </p:nvPr>
+          </p:nvSpPr>
+          <p:spPr bwMode="auto">
+            <a:xfrm>
+              <a:off x="-1061" y="-51881"/>
+              <a:ext cx="11091863" cy="6923796"/>
+            </a:xfrm>
+            <a:custGeom>
+              <a:avLst/>
+              <a:gdLst/>
+              <a:ahLst/>
+              <a:cxnLst/>
+              <a:rect l="0" t="0" r="r" b="b"/>
+              <a:pathLst>
+                <a:path w="2330" h="1452">
+                  <a:moveTo>
+                    <a:pt x="2046" y="1452"/>
+                  </a:moveTo>
+                  <a:cubicBezTo>
+                    <a:pt x="2330" y="1153"/>
+                    <a:pt x="2049" y="821"/>
+                    <a:pt x="1813" y="601"/>
+                  </a:cubicBezTo>
+                  <a:cubicBezTo>
+                    <a:pt x="1569" y="375"/>
+                    <a:pt x="1282" y="179"/>
+                    <a:pt x="956" y="97"/>
+                  </a:cubicBezTo>
+                  <a:cubicBezTo>
+                    <a:pt x="572" y="0"/>
+                    <a:pt x="292" y="101"/>
+                    <a:pt x="0" y="366"/>
+                  </a:cubicBezTo>
+                </a:path>
+              </a:pathLst>
+            </a:custGeom>
+            <a:noFill/>
+            <a:ln w="9525" cap="flat">
+              <a:solidFill>
+                <a:schemeClr val="tx1">
+                  <a:alpha val="35000"/>
+                </a:schemeClr>
+              </a:solidFill>
+              <a:prstDash val="solid"/>
+              <a:miter lim="800000"/>
+              <a:headEnd/>
+              <a:tailEnd/>
+            </a:ln>
+            <a:extLst>
+              <a:ext uri="{909E8E84-426E-40DD-AFC4-6F175D3DCCD1}">
+                <a14:hiddenFill xmlns:a14="http://schemas.microsoft.com/office/drawing/2010/main">
+                  <a:solidFill>
+                    <a:srgbClr val="FFFFFF"/>
+                  </a:solidFill>
+                </a14:hiddenFill>
+              </a:ext>
+            </a:extLst>
+          </p:spPr>
+        </p:sp>
+        <p:sp>
+          <p:nvSpPr>
+            <p:cNvPr id="23" name="Freeform 11">
+              <a:extLst>
+                <a:ext uri="{FF2B5EF4-FFF2-40B4-BE49-F238E27FC236}">
+                  <a16:creationId xmlns:a16="http://schemas.microsoft.com/office/drawing/2014/main" id="{080C708C-69BF-441B-AB75-C98160ED06DE}"/>
+                </a:ext>
+                <a:ext uri="{C183D7F6-B498-43B3-948B-1728B52AA6E4}">
+                  <adec:decorative xmlns:adec="http://schemas.microsoft.com/office/drawing/2017/decorative" val="1"/>
+                </a:ext>
+              </a:extLst>
+            </p:cNvPr>
+            <p:cNvSpPr/>
+            <p:nvPr>
+              <p:extLst>
+                <p:ext uri="{386F3935-93C4-4BCD-93E2-E3B085C9AB24}">
+                  <p16:designElem xmlns:p16="http://schemas.microsoft.com/office/powerpoint/2015/main" val="1"/>
+                </p:ext>
+              </p:extLst>
+            </p:nvPr>
+          </p:nvSpPr>
+          <p:spPr bwMode="auto">
+            <a:xfrm>
+              <a:off x="5426601" y="5579"/>
+              <a:ext cx="5788025" cy="6847184"/>
+            </a:xfrm>
+            <a:custGeom>
+              <a:avLst/>
+              <a:gdLst/>
+              <a:ahLst/>
+              <a:cxnLst/>
+              <a:rect l="0" t="0" r="r" b="b"/>
+              <a:pathLst>
+                <a:path w="1216" h="1436">
+                  <a:moveTo>
+                    <a:pt x="1094" y="1436"/>
+                  </a:moveTo>
+                  <a:cubicBezTo>
+                    <a:pt x="1216" y="1114"/>
+                    <a:pt x="904" y="770"/>
+                    <a:pt x="709" y="551"/>
+                  </a:cubicBezTo>
+                  <a:cubicBezTo>
+                    <a:pt x="509" y="327"/>
+                    <a:pt x="274" y="127"/>
+                    <a:pt x="0" y="0"/>
+                  </a:cubicBezTo>
+                </a:path>
+              </a:pathLst>
+            </a:custGeom>
+            <a:noFill/>
+            <a:ln w="9525" cap="flat">
+              <a:solidFill>
+                <a:schemeClr val="tx1">
+                  <a:alpha val="35000"/>
+                </a:schemeClr>
+              </a:solidFill>
+              <a:prstDash val="solid"/>
+              <a:miter lim="800000"/>
+              <a:headEnd/>
+              <a:tailEnd/>
+            </a:ln>
+            <a:extLst>
+              <a:ext uri="{909E8E84-426E-40DD-AFC4-6F175D3DCCD1}">
+                <a14:hiddenFill xmlns:a14="http://schemas.microsoft.com/office/drawing/2010/main">
+                  <a:solidFill>
+                    <a:srgbClr val="FFFFFF"/>
+                  </a:solidFill>
+                </a14:hiddenFill>
+              </a:ext>
+            </a:extLst>
+          </p:spPr>
+        </p:sp>
+        <p:sp>
+          <p:nvSpPr>
+            <p:cNvPr id="24" name="Freeform 12">
+              <a:extLst>
+                <a:ext uri="{FF2B5EF4-FFF2-40B4-BE49-F238E27FC236}">
+                  <a16:creationId xmlns:a16="http://schemas.microsoft.com/office/drawing/2014/main" id="{3E79964E-F8F1-4763-8892-7BC3DAE306E9}"/>
+                </a:ext>
+                <a:ext uri="{C183D7F6-B498-43B3-948B-1728B52AA6E4}">
+                  <adec:decorative xmlns:adec="http://schemas.microsoft.com/office/drawing/2017/decorative" val="1"/>
+                </a:ext>
+              </a:extLst>
+            </p:cNvPr>
+            <p:cNvSpPr/>
+            <p:nvPr>
+              <p:extLst>
+                <p:ext uri="{386F3935-93C4-4BCD-93E2-E3B085C9AB24}">
+                  <p16:designElem xmlns:p16="http://schemas.microsoft.com/office/powerpoint/2015/main" val="1"/>
+                </p:ext>
+              </p:extLst>
+            </p:nvPr>
+          </p:nvSpPr>
+          <p:spPr bwMode="auto">
+            <a:xfrm>
+              <a:off x="-1061" y="5579"/>
+              <a:ext cx="1057275" cy="614491"/>
+            </a:xfrm>
+            <a:custGeom>
+              <a:avLst/>
+              <a:gdLst/>
+              <a:ahLst/>
+              <a:cxnLst/>
+              <a:rect l="0" t="0" r="r" b="b"/>
+              <a:pathLst>
+                <a:path w="222" h="129">
+                  <a:moveTo>
+                    <a:pt x="222" y="0"/>
+                  </a:moveTo>
+                  <a:cubicBezTo>
+                    <a:pt x="152" y="35"/>
+                    <a:pt x="76" y="78"/>
+                    <a:pt x="0" y="129"/>
+                  </a:cubicBezTo>
+                </a:path>
+              </a:pathLst>
+            </a:custGeom>
+            <a:noFill/>
+            <a:ln w="9525" cap="flat">
+              <a:solidFill>
+                <a:schemeClr val="tx1">
+                  <a:alpha val="35000"/>
+                </a:schemeClr>
+              </a:solidFill>
+              <a:prstDash val="solid"/>
+              <a:miter lim="800000"/>
+              <a:headEnd/>
+              <a:tailEnd/>
+            </a:ln>
+            <a:extLst>
+              <a:ext uri="{909E8E84-426E-40DD-AFC4-6F175D3DCCD1}">
+                <a14:hiddenFill xmlns:a14="http://schemas.microsoft.com/office/drawing/2010/main">
+                  <a:solidFill>
+                    <a:srgbClr val="FFFFFF"/>
+                  </a:solidFill>
+                </a14:hiddenFill>
+              </a:ext>
+            </a:extLst>
+          </p:spPr>
+        </p:sp>
+        <p:sp>
+          <p:nvSpPr>
+            <p:cNvPr id="25" name="Freeform 13">
+              <a:extLst>
+                <a:ext uri="{FF2B5EF4-FFF2-40B4-BE49-F238E27FC236}">
+                  <a16:creationId xmlns:a16="http://schemas.microsoft.com/office/drawing/2014/main" id="{FE09592A-FCC9-4AE5-BA0B-730C6F3BBE95}"/>
+                </a:ext>
+                <a:ext uri="{C183D7F6-B498-43B3-948B-1728B52AA6E4}">
+                  <adec:decorative xmlns:adec="http://schemas.microsoft.com/office/drawing/2017/decorative" val="1"/>
+                </a:ext>
+              </a:extLst>
+            </p:cNvPr>
+            <p:cNvSpPr/>
+            <p:nvPr>
+              <p:extLst>
+                <p:ext uri="{386F3935-93C4-4BCD-93E2-E3B085C9AB24}">
+                  <p16:designElem xmlns:p16="http://schemas.microsoft.com/office/powerpoint/2015/main" val="1"/>
+                </p:ext>
+              </p:extLst>
+            </p:nvPr>
+          </p:nvSpPr>
+          <p:spPr bwMode="auto">
+            <a:xfrm>
+              <a:off x="5821889" y="5579"/>
+              <a:ext cx="5588000" cy="6866337"/>
+            </a:xfrm>
+            <a:custGeom>
+              <a:avLst/>
+              <a:gdLst/>
+              <a:ahLst/>
+              <a:cxnLst/>
+              <a:rect l="0" t="0" r="r" b="b"/>
+              <a:pathLst>
+                <a:path w="1174" h="1440">
+                  <a:moveTo>
+                    <a:pt x="1067" y="1440"/>
+                  </a:moveTo>
+                  <a:cubicBezTo>
+                    <a:pt x="1174" y="1124"/>
+                    <a:pt x="887" y="797"/>
+                    <a:pt x="698" y="577"/>
+                  </a:cubicBezTo>
+                  <a:cubicBezTo>
+                    <a:pt x="500" y="348"/>
+                    <a:pt x="270" y="141"/>
+                    <a:pt x="0" y="0"/>
+                  </a:cubicBezTo>
+                </a:path>
+              </a:pathLst>
+            </a:custGeom>
+            <a:noFill/>
+            <a:ln w="9525" cap="flat">
+              <a:solidFill>
+                <a:schemeClr val="tx1">
+                  <a:alpha val="35000"/>
+                </a:schemeClr>
+              </a:solidFill>
+              <a:prstDash val="dash"/>
+              <a:miter lim="800000"/>
+              <a:headEnd/>
+              <a:tailEnd/>
+            </a:ln>
+            <a:extLst>
+              <a:ext uri="{909E8E84-426E-40DD-AFC4-6F175D3DCCD1}">
+                <a14:hiddenFill xmlns:a14="http://schemas.microsoft.com/office/drawing/2010/main">
+                  <a:solidFill>
+                    <a:srgbClr val="FFFFFF"/>
+                  </a:solidFill>
+                </a14:hiddenFill>
+              </a:ext>
+            </a:extLst>
+          </p:spPr>
+        </p:sp>
+        <p:sp>
+          <p:nvSpPr>
+            <p:cNvPr id="26" name="Freeform 14">
+              <a:extLst>
+                <a:ext uri="{FF2B5EF4-FFF2-40B4-BE49-F238E27FC236}">
+                  <a16:creationId xmlns:a16="http://schemas.microsoft.com/office/drawing/2014/main" id="{96448994-820C-4BC1-ABF3-4579C6F99A63}"/>
+                </a:ext>
+                <a:ext uri="{C183D7F6-B498-43B3-948B-1728B52AA6E4}">
+                  <adec:decorative xmlns:adec="http://schemas.microsoft.com/office/drawing/2017/decorative" val="1"/>
+                </a:ext>
+              </a:extLst>
+            </p:cNvPr>
+            <p:cNvSpPr/>
+            <p:nvPr>
+              <p:extLst>
+                <p:ext uri="{386F3935-93C4-4BCD-93E2-E3B085C9AB24}">
+                  <p16:designElem xmlns:p16="http://schemas.microsoft.com/office/powerpoint/2015/main" val="1"/>
+                </p:ext>
+              </p:extLst>
+            </p:nvPr>
+          </p:nvSpPr>
+          <p:spPr bwMode="auto">
+            <a:xfrm>
+              <a:off x="3701" y="790"/>
+              <a:ext cx="595313" cy="352734"/>
+            </a:xfrm>
+            <a:custGeom>
+              <a:avLst/>
+              <a:gdLst/>
+              <a:ahLst/>
+              <a:cxnLst/>
+              <a:rect l="0" t="0" r="r" b="b"/>
+              <a:pathLst>
+                <a:path w="125" h="74">
+                  <a:moveTo>
+                    <a:pt x="125" y="0"/>
+                  </a:moveTo>
+                  <a:cubicBezTo>
+                    <a:pt x="85" y="22"/>
+                    <a:pt x="43" y="47"/>
+                    <a:pt x="0" y="74"/>
+                  </a:cubicBezTo>
+                </a:path>
+              </a:pathLst>
+            </a:custGeom>
+            <a:noFill/>
+            <a:ln w="9525" cap="flat">
+              <a:solidFill>
+                <a:schemeClr val="tx1">
+                  <a:alpha val="35000"/>
+                </a:schemeClr>
+              </a:solidFill>
+              <a:prstDash val="dash"/>
+              <a:miter lim="800000"/>
+              <a:headEnd/>
+              <a:tailEnd/>
+            </a:ln>
+            <a:extLst>
+              <a:ext uri="{909E8E84-426E-40DD-AFC4-6F175D3DCCD1}">
+                <a14:hiddenFill xmlns:a14="http://schemas.microsoft.com/office/drawing/2010/main">
+                  <a:solidFill>
+                    <a:srgbClr val="FFFFFF"/>
+                  </a:solidFill>
+                </a14:hiddenFill>
+              </a:ext>
+            </a:extLst>
+          </p:spPr>
+        </p:sp>
+        <p:sp>
+          <p:nvSpPr>
+            <p:cNvPr id="27" name="Freeform 15">
+              <a:extLst>
+                <a:ext uri="{FF2B5EF4-FFF2-40B4-BE49-F238E27FC236}">
+                  <a16:creationId xmlns:a16="http://schemas.microsoft.com/office/drawing/2014/main" id="{9BB0D192-565A-42B9-B292-CC032D71A6A1}"/>
+                </a:ext>
+                <a:ext uri="{C183D7F6-B498-43B3-948B-1728B52AA6E4}">
+                  <adec:decorative xmlns:adec="http://schemas.microsoft.com/office/drawing/2017/decorative" val="1"/>
+                </a:ext>
+              </a:extLst>
+            </p:cNvPr>
+            <p:cNvSpPr/>
+            <p:nvPr>
+              <p:extLst>
+                <p:ext uri="{386F3935-93C4-4BCD-93E2-E3B085C9AB24}">
+                  <p16:designElem xmlns:p16="http://schemas.microsoft.com/office/powerpoint/2015/main" val="1"/>
+                </p:ext>
+              </p:extLst>
+            </p:nvPr>
+          </p:nvSpPr>
+          <p:spPr bwMode="auto">
+            <a:xfrm>
+              <a:off x="6012389" y="5579"/>
+              <a:ext cx="5497513" cy="6866337"/>
+            </a:xfrm>
+            <a:custGeom>
+              <a:avLst/>
+              <a:gdLst/>
+              <a:ahLst/>
+              <a:cxnLst/>
+              <a:rect l="0" t="0" r="r" b="b"/>
+              <a:pathLst>
+                <a:path w="1155" h="1440">
+                  <a:moveTo>
+                    <a:pt x="1056" y="1440"/>
+                  </a:moveTo>
+                  <a:cubicBezTo>
+                    <a:pt x="1155" y="1123"/>
+                    <a:pt x="875" y="801"/>
+                    <a:pt x="686" y="580"/>
+                  </a:cubicBezTo>
+                  <a:cubicBezTo>
+                    <a:pt x="491" y="352"/>
+                    <a:pt x="264" y="145"/>
+                    <a:pt x="0" y="0"/>
+                  </a:cubicBezTo>
+                </a:path>
+              </a:pathLst>
+            </a:custGeom>
+            <a:noFill/>
+            <a:ln w="12700" cap="flat">
+              <a:solidFill>
+                <a:schemeClr val="tx1">
+                  <a:alpha val="35000"/>
+                </a:schemeClr>
+              </a:solidFill>
+              <a:prstDash val="dashDot"/>
+              <a:miter lim="800000"/>
+              <a:headEnd/>
+              <a:tailEnd/>
+            </a:ln>
+            <a:extLst>
+              <a:ext uri="{909E8E84-426E-40DD-AFC4-6F175D3DCCD1}">
+                <a14:hiddenFill xmlns:a14="http://schemas.microsoft.com/office/drawing/2010/main">
+                  <a:solidFill>
+                    <a:srgbClr val="FFFFFF"/>
+                  </a:solidFill>
+                </a14:hiddenFill>
+              </a:ext>
+            </a:extLst>
+          </p:spPr>
+        </p:sp>
+        <p:sp>
+          <p:nvSpPr>
+            <p:cNvPr id="28" name="Freeform 16">
+              <a:extLst>
+                <a:ext uri="{FF2B5EF4-FFF2-40B4-BE49-F238E27FC236}">
+                  <a16:creationId xmlns:a16="http://schemas.microsoft.com/office/drawing/2014/main" id="{6D1CA09C-5F40-4E92-A7E9-D1FCEE51283D}"/>
+                </a:ext>
+                <a:ext uri="{C183D7F6-B498-43B3-948B-1728B52AA6E4}">
+                  <adec:decorative xmlns:adec="http://schemas.microsoft.com/office/drawing/2017/decorative" val="1"/>
+                </a:ext>
+              </a:extLst>
+            </p:cNvPr>
+            <p:cNvSpPr/>
+            <p:nvPr>
+              <p:extLst>
+                <p:ext uri="{386F3935-93C4-4BCD-93E2-E3B085C9AB24}">
+                  <p16:designElem xmlns:p16="http://schemas.microsoft.com/office/powerpoint/2015/main" val="1"/>
+                </p:ext>
+              </p:extLst>
+            </p:nvPr>
+          </p:nvSpPr>
+          <p:spPr bwMode="auto">
+            <a:xfrm>
+              <a:off x="-1061" y="5579"/>
+              <a:ext cx="357188" cy="213875"/>
+            </a:xfrm>
+            <a:custGeom>
+              <a:avLst/>
+              <a:gdLst/>
+              <a:ahLst/>
+              <a:cxnLst/>
+              <a:rect l="0" t="0" r="r" b="b"/>
+              <a:pathLst>
+                <a:path w="75" h="45">
+                  <a:moveTo>
+                    <a:pt x="75" y="0"/>
+                  </a:moveTo>
+                  <a:cubicBezTo>
+                    <a:pt x="50" y="14"/>
+                    <a:pt x="25" y="29"/>
+                    <a:pt x="0" y="45"/>
+                  </a:cubicBezTo>
+                </a:path>
+              </a:pathLst>
+            </a:custGeom>
+            <a:noFill/>
+            <a:ln w="12700" cap="flat">
+              <a:solidFill>
+                <a:schemeClr val="tx1">
+                  <a:alpha val="35000"/>
+                </a:schemeClr>
+              </a:solidFill>
+              <a:prstDash val="dashDot"/>
+              <a:miter lim="800000"/>
+              <a:headEnd/>
+              <a:tailEnd/>
+            </a:ln>
+            <a:extLst>
+              <a:ext uri="{909E8E84-426E-40DD-AFC4-6F175D3DCCD1}">
+                <a14:hiddenFill xmlns:a14="http://schemas.microsoft.com/office/drawing/2010/main">
+                  <a:solidFill>
+                    <a:srgbClr val="FFFFFF"/>
+                  </a:solidFill>
+                </a14:hiddenFill>
+              </a:ext>
+            </a:extLst>
+          </p:spPr>
+        </p:sp>
+        <p:sp>
+          <p:nvSpPr>
+            <p:cNvPr id="29" name="Freeform 17">
+              <a:extLst>
+                <a:ext uri="{FF2B5EF4-FFF2-40B4-BE49-F238E27FC236}">
+                  <a16:creationId xmlns:a16="http://schemas.microsoft.com/office/drawing/2014/main" id="{379F5AA5-2E14-4880-A5A6-07AEF2AD89DB}"/>
+                </a:ext>
+                <a:ext uri="{C183D7F6-B498-43B3-948B-1728B52AA6E4}">
+                  <adec:decorative xmlns:adec="http://schemas.microsoft.com/office/drawing/2017/decorative" val="1"/>
+                </a:ext>
+              </a:extLst>
+            </p:cNvPr>
+            <p:cNvSpPr/>
+            <p:nvPr>
+              <p:extLst>
+                <p:ext uri="{386F3935-93C4-4BCD-93E2-E3B085C9AB24}">
+                  <p16:designElem xmlns:p16="http://schemas.microsoft.com/office/powerpoint/2015/main" val="1"/>
+                </p:ext>
+              </p:extLst>
+            </p:nvPr>
+          </p:nvSpPr>
+          <p:spPr bwMode="auto">
+            <a:xfrm>
+              <a:off x="6210826" y="790"/>
+              <a:ext cx="5522913" cy="6871126"/>
+            </a:xfrm>
+            <a:custGeom>
+              <a:avLst/>
+              <a:gdLst/>
+              <a:ahLst/>
+              <a:cxnLst/>
+              <a:rect l="0" t="0" r="r" b="b"/>
+              <a:pathLst>
+                <a:path w="1160" h="1441">
+                  <a:moveTo>
+                    <a:pt x="1053" y="1441"/>
+                  </a:moveTo>
+                  <a:cubicBezTo>
+                    <a:pt x="1160" y="1129"/>
+                    <a:pt x="892" y="817"/>
+                    <a:pt x="705" y="599"/>
+                  </a:cubicBezTo>
+                  <a:cubicBezTo>
+                    <a:pt x="503" y="365"/>
+                    <a:pt x="270" y="152"/>
+                    <a:pt x="0" y="0"/>
+                  </a:cubicBezTo>
+                </a:path>
+              </a:pathLst>
+            </a:custGeom>
+            <a:noFill/>
+            <a:ln w="9525" cap="flat">
+              <a:solidFill>
+                <a:schemeClr val="tx1">
+                  <a:alpha val="35000"/>
+                </a:schemeClr>
+              </a:solidFill>
+              <a:prstDash val="solid"/>
+              <a:miter lim="800000"/>
+              <a:headEnd/>
+              <a:tailEnd/>
+            </a:ln>
+            <a:extLst>
+              <a:ext uri="{909E8E84-426E-40DD-AFC4-6F175D3DCCD1}">
+                <a14:hiddenFill xmlns:a14="http://schemas.microsoft.com/office/drawing/2010/main">
+                  <a:solidFill>
+                    <a:srgbClr val="FFFFFF"/>
+                  </a:solidFill>
+                </a14:hiddenFill>
+              </a:ext>
+            </a:extLst>
+          </p:spPr>
+        </p:sp>
+        <p:sp>
+          <p:nvSpPr>
+            <p:cNvPr id="30" name="Freeform 18">
+              <a:extLst>
+                <a:ext uri="{FF2B5EF4-FFF2-40B4-BE49-F238E27FC236}">
+                  <a16:creationId xmlns:a16="http://schemas.microsoft.com/office/drawing/2014/main" id="{EF14BD32-D239-4DA3-98B3-7752073657CC}"/>
+                </a:ext>
+                <a:ext uri="{C183D7F6-B498-43B3-948B-1728B52AA6E4}">
+                  <adec:decorative xmlns:adec="http://schemas.microsoft.com/office/drawing/2017/decorative" val="1"/>
+                </a:ext>
+              </a:extLst>
+            </p:cNvPr>
+            <p:cNvSpPr/>
+            <p:nvPr>
+              <p:extLst>
+                <p:ext uri="{386F3935-93C4-4BCD-93E2-E3B085C9AB24}">
+                  <p16:designElem xmlns:p16="http://schemas.microsoft.com/office/powerpoint/2015/main" val="1"/>
+                </p:ext>
+              </p:extLst>
+            </p:nvPr>
+          </p:nvSpPr>
+          <p:spPr bwMode="auto">
+            <a:xfrm>
+              <a:off x="6463239" y="5579"/>
+              <a:ext cx="5413375" cy="6866337"/>
+            </a:xfrm>
+            <a:custGeom>
+              <a:avLst/>
+              <a:gdLst/>
+              <a:ahLst/>
+              <a:cxnLst/>
+              <a:rect l="0" t="0" r="r" b="b"/>
+              <a:pathLst>
+                <a:path w="1137" h="1440">
+                  <a:moveTo>
+                    <a:pt x="1040" y="1440"/>
+                  </a:moveTo>
+                  <a:cubicBezTo>
+                    <a:pt x="1137" y="1131"/>
+                    <a:pt x="883" y="828"/>
+                    <a:pt x="698" y="611"/>
+                  </a:cubicBezTo>
+                  <a:cubicBezTo>
+                    <a:pt x="498" y="375"/>
+                    <a:pt x="268" y="159"/>
+                    <a:pt x="0" y="0"/>
+                  </a:cubicBezTo>
+                </a:path>
+              </a:pathLst>
+            </a:custGeom>
+            <a:noFill/>
+            <a:ln w="9525" cap="flat">
+              <a:solidFill>
+                <a:schemeClr val="tx1">
+                  <a:alpha val="35000"/>
+                </a:schemeClr>
+              </a:solidFill>
+              <a:prstDash val="solid"/>
+              <a:miter lim="800000"/>
+              <a:headEnd/>
+              <a:tailEnd/>
+            </a:ln>
+            <a:extLst>
+              <a:ext uri="{909E8E84-426E-40DD-AFC4-6F175D3DCCD1}">
+                <a14:hiddenFill xmlns:a14="http://schemas.microsoft.com/office/drawing/2010/main">
+                  <a:solidFill>
+                    <a:srgbClr val="FFFFFF"/>
+                  </a:solidFill>
+                </a14:hiddenFill>
+              </a:ext>
+            </a:extLst>
+          </p:spPr>
+        </p:sp>
+        <p:sp>
+          <p:nvSpPr>
+            <p:cNvPr id="31" name="Freeform 19">
+              <a:extLst>
+                <a:ext uri="{FF2B5EF4-FFF2-40B4-BE49-F238E27FC236}">
+                  <a16:creationId xmlns:a16="http://schemas.microsoft.com/office/drawing/2014/main" id="{CF07B250-E5E4-4624-9BD7-8D513A67B731}"/>
+                </a:ext>
+                <a:ext uri="{C183D7F6-B498-43B3-948B-1728B52AA6E4}">
+                  <adec:decorative xmlns:adec="http://schemas.microsoft.com/office/drawing/2017/decorative" val="1"/>
+                </a:ext>
+              </a:extLst>
+            </p:cNvPr>
+            <p:cNvSpPr/>
+            <p:nvPr>
+              <p:extLst>
+                <p:ext uri="{386F3935-93C4-4BCD-93E2-E3B085C9AB24}">
+                  <p16:designElem xmlns:p16="http://schemas.microsoft.com/office/powerpoint/2015/main" val="1"/>
+                </p:ext>
+              </p:extLst>
+            </p:nvPr>
+          </p:nvSpPr>
+          <p:spPr bwMode="auto">
+            <a:xfrm>
+              <a:off x="6877576" y="5579"/>
+              <a:ext cx="5037138" cy="6861550"/>
+            </a:xfrm>
+            <a:custGeom>
+              <a:avLst/>
+              <a:gdLst/>
+              <a:ahLst/>
+              <a:cxnLst/>
+              <a:rect l="0" t="0" r="r" b="b"/>
+              <a:pathLst>
+                <a:path w="1058" h="1439">
+                  <a:moveTo>
+                    <a:pt x="1011" y="1439"/>
+                  </a:moveTo>
+                  <a:cubicBezTo>
+                    <a:pt x="1058" y="1131"/>
+                    <a:pt x="825" y="841"/>
+                    <a:pt x="648" y="617"/>
+                  </a:cubicBezTo>
+                  <a:cubicBezTo>
+                    <a:pt x="462" y="383"/>
+                    <a:pt x="248" y="168"/>
+                    <a:pt x="0" y="0"/>
+                  </a:cubicBezTo>
+                </a:path>
+              </a:pathLst>
+            </a:custGeom>
+            <a:noFill/>
+            <a:ln w="9525" cap="flat">
+              <a:solidFill>
+                <a:schemeClr val="tx1">
+                  <a:alpha val="35000"/>
+                </a:schemeClr>
+              </a:solidFill>
+              <a:prstDash val="solid"/>
+              <a:miter lim="800000"/>
+              <a:headEnd/>
+              <a:tailEnd/>
+            </a:ln>
+            <a:extLst>
+              <a:ext uri="{909E8E84-426E-40DD-AFC4-6F175D3DCCD1}">
+                <a14:hiddenFill xmlns:a14="http://schemas.microsoft.com/office/drawing/2010/main">
+                  <a:solidFill>
+                    <a:srgbClr val="FFFFFF"/>
+                  </a:solidFill>
+                </a14:hiddenFill>
+              </a:ext>
+            </a:extLst>
+          </p:spPr>
+        </p:sp>
+        <p:sp>
+          <p:nvSpPr>
+            <p:cNvPr id="32" name="Freeform 20">
+              <a:extLst>
+                <a:ext uri="{FF2B5EF4-FFF2-40B4-BE49-F238E27FC236}">
+                  <a16:creationId xmlns:a16="http://schemas.microsoft.com/office/drawing/2014/main" id="{BCC5D120-7C8C-4290-865C-4EE6E4F245F9}"/>
+                </a:ext>
+                <a:ext uri="{C183D7F6-B498-43B3-948B-1728B52AA6E4}">
+                  <adec:decorative xmlns:adec="http://schemas.microsoft.com/office/drawing/2017/decorative" val="1"/>
+                </a:ext>
+              </a:extLst>
+            </p:cNvPr>
+            <p:cNvSpPr/>
+            <p:nvPr>
+              <p:extLst>
+                <p:ext uri="{386F3935-93C4-4BCD-93E2-E3B085C9AB24}">
+                  <p16:designElem xmlns:p16="http://schemas.microsoft.com/office/powerpoint/2015/main" val="1"/>
+                </p:ext>
+              </p:extLst>
+            </p:nvPr>
+          </p:nvSpPr>
+          <p:spPr bwMode="auto">
+            <a:xfrm>
+              <a:off x="8768289" y="5579"/>
+              <a:ext cx="3417888" cy="2742066"/>
+            </a:xfrm>
+            <a:custGeom>
+              <a:avLst/>
+              <a:gdLst/>
+              <a:ahLst/>
+              <a:cxnLst/>
+              <a:rect l="0" t="0" r="r" b="b"/>
+              <a:pathLst>
+                <a:path w="718" h="575">
+                  <a:moveTo>
+                    <a:pt x="718" y="575"/>
+                  </a:moveTo>
+                  <a:cubicBezTo>
+                    <a:pt x="500" y="360"/>
+                    <a:pt x="260" y="163"/>
+                    <a:pt x="0" y="0"/>
+                  </a:cubicBezTo>
+                </a:path>
+              </a:pathLst>
+            </a:custGeom>
+            <a:noFill/>
+            <a:ln w="9525" cap="flat">
+              <a:solidFill>
+                <a:schemeClr val="tx1">
+                  <a:alpha val="35000"/>
+                </a:schemeClr>
+              </a:solidFill>
+              <a:prstDash val="solid"/>
+              <a:miter lim="800000"/>
+              <a:headEnd/>
+              <a:tailEnd/>
+            </a:ln>
+            <a:extLst>
+              <a:ext uri="{909E8E84-426E-40DD-AFC4-6F175D3DCCD1}">
+                <a14:hiddenFill xmlns:a14="http://schemas.microsoft.com/office/drawing/2010/main">
+                  <a:solidFill>
+                    <a:srgbClr val="FFFFFF"/>
+                  </a:solidFill>
+                </a14:hiddenFill>
+              </a:ext>
+            </a:extLst>
+          </p:spPr>
+        </p:sp>
+        <p:sp>
+          <p:nvSpPr>
+            <p:cNvPr id="33" name="Freeform 21">
+              <a:extLst>
+                <a:ext uri="{FF2B5EF4-FFF2-40B4-BE49-F238E27FC236}">
+                  <a16:creationId xmlns:a16="http://schemas.microsoft.com/office/drawing/2014/main" id="{C24688C6-CAE5-4EF2-B2BA-A138DA0A24B9}"/>
+                </a:ext>
+                <a:ext uri="{C183D7F6-B498-43B3-948B-1728B52AA6E4}">
+                  <adec:decorative xmlns:adec="http://schemas.microsoft.com/office/drawing/2017/decorative" val="1"/>
+                </a:ext>
+              </a:extLst>
+            </p:cNvPr>
+            <p:cNvSpPr/>
+            <p:nvPr>
+              <p:extLst>
+                <p:ext uri="{386F3935-93C4-4BCD-93E2-E3B085C9AB24}">
+                  <p16:designElem xmlns:p16="http://schemas.microsoft.com/office/powerpoint/2015/main" val="1"/>
+                </p:ext>
+              </p:extLst>
+            </p:nvPr>
+          </p:nvSpPr>
+          <p:spPr bwMode="auto">
+            <a:xfrm>
+              <a:off x="9235014" y="10367"/>
+              <a:ext cx="2951163" cy="2555325"/>
+            </a:xfrm>
+            <a:custGeom>
+              <a:avLst/>
+              <a:gdLst/>
+              <a:ahLst/>
+              <a:cxnLst/>
+              <a:rect l="0" t="0" r="r" b="b"/>
+              <a:pathLst>
+                <a:path w="620" h="536">
+                  <a:moveTo>
+                    <a:pt x="620" y="536"/>
+                  </a:moveTo>
+                  <a:cubicBezTo>
+                    <a:pt x="404" y="314"/>
+                    <a:pt x="196" y="138"/>
+                    <a:pt x="0" y="0"/>
+                  </a:cubicBezTo>
+                </a:path>
+              </a:pathLst>
+            </a:custGeom>
+            <a:noFill/>
+            <a:ln w="9525" cap="flat">
+              <a:solidFill>
+                <a:schemeClr val="tx1">
+                  <a:alpha val="35000"/>
+                </a:schemeClr>
+              </a:solidFill>
+              <a:prstDash val="solid"/>
+              <a:miter lim="800000"/>
+              <a:headEnd/>
+              <a:tailEnd/>
+            </a:ln>
+            <a:extLst>
+              <a:ext uri="{909E8E84-426E-40DD-AFC4-6F175D3DCCD1}">
+                <a14:hiddenFill xmlns:a14="http://schemas.microsoft.com/office/drawing/2010/main">
+                  <a:solidFill>
+                    <a:srgbClr val="FFFFFF"/>
+                  </a:solidFill>
+                </a14:hiddenFill>
+              </a:ext>
+            </a:extLst>
+          </p:spPr>
+        </p:sp>
+        <p:sp>
+          <p:nvSpPr>
+            <p:cNvPr id="34" name="Freeform 22">
+              <a:extLst>
+                <a:ext uri="{FF2B5EF4-FFF2-40B4-BE49-F238E27FC236}">
+                  <a16:creationId xmlns:a16="http://schemas.microsoft.com/office/drawing/2014/main" id="{6BD31099-7C13-4901-A04F-632B1CD84627}"/>
+                </a:ext>
+                <a:ext uri="{C183D7F6-B498-43B3-948B-1728B52AA6E4}">
+                  <adec:decorative xmlns:adec="http://schemas.microsoft.com/office/drawing/2017/decorative" val="1"/>
+                </a:ext>
+              </a:extLst>
+            </p:cNvPr>
+            <p:cNvSpPr/>
+            <p:nvPr>
+              <p:extLst>
+                <p:ext uri="{386F3935-93C4-4BCD-93E2-E3B085C9AB24}">
+                  <p16:designElem xmlns:p16="http://schemas.microsoft.com/office/powerpoint/2015/main" val="1"/>
+                </p:ext>
+              </p:extLst>
+            </p:nvPr>
+          </p:nvSpPr>
+          <p:spPr bwMode="auto">
+            <a:xfrm>
+              <a:off x="10020826" y="5579"/>
+              <a:ext cx="2165350" cy="1358265"/>
+            </a:xfrm>
+            <a:custGeom>
+              <a:avLst/>
+              <a:gdLst/>
+              <a:ahLst/>
+              <a:cxnLst/>
+              <a:rect l="0" t="0" r="r" b="b"/>
+              <a:pathLst>
+                <a:path w="455" h="285">
+                  <a:moveTo>
+                    <a:pt x="0" y="0"/>
+                  </a:moveTo>
+                  <a:cubicBezTo>
+                    <a:pt x="153" y="85"/>
+                    <a:pt x="308" y="180"/>
+                    <a:pt x="455" y="285"/>
+                  </a:cubicBezTo>
+                </a:path>
+              </a:pathLst>
+            </a:custGeom>
+            <a:noFill/>
+            <a:ln w="9525" cap="flat">
+              <a:solidFill>
+                <a:schemeClr val="tx1">
+                  <a:alpha val="35000"/>
+                </a:schemeClr>
+              </a:solidFill>
+              <a:prstDash val="dash"/>
+              <a:miter lim="800000"/>
+              <a:headEnd/>
+              <a:tailEnd/>
+            </a:ln>
+            <a:extLst>
+              <a:ext uri="{909E8E84-426E-40DD-AFC4-6F175D3DCCD1}">
+                <a14:hiddenFill xmlns:a14="http://schemas.microsoft.com/office/drawing/2010/main">
+                  <a:solidFill>
+                    <a:srgbClr val="FFFFFF"/>
+                  </a:solidFill>
+                </a14:hiddenFill>
+              </a:ext>
+            </a:extLst>
+          </p:spPr>
+        </p:sp>
+        <p:sp>
+          <p:nvSpPr>
+            <p:cNvPr id="35" name="Freeform 23">
+              <a:extLst>
+                <a:ext uri="{FF2B5EF4-FFF2-40B4-BE49-F238E27FC236}">
+                  <a16:creationId xmlns:a16="http://schemas.microsoft.com/office/drawing/2014/main" id="{679F5FF7-82B2-4033-8FBE-63170C937833}"/>
+                </a:ext>
+                <a:ext uri="{C183D7F6-B498-43B3-948B-1728B52AA6E4}">
+                  <adec:decorative xmlns:adec="http://schemas.microsoft.com/office/drawing/2017/decorative" val="1"/>
+                </a:ext>
+              </a:extLst>
+            </p:cNvPr>
+            <p:cNvSpPr/>
+            <p:nvPr>
+              <p:extLst>
+                <p:ext uri="{386F3935-93C4-4BCD-93E2-E3B085C9AB24}">
+                  <p16:designElem xmlns:p16="http://schemas.microsoft.com/office/powerpoint/2015/main" val="1"/>
+                </p:ext>
+              </p:extLst>
+            </p:nvPr>
+          </p:nvSpPr>
+          <p:spPr bwMode="auto">
+            <a:xfrm>
+              <a:off x="11290826" y="5579"/>
+              <a:ext cx="895350" cy="534687"/>
+            </a:xfrm>
+            <a:custGeom>
+              <a:avLst/>
+              <a:gdLst/>
+              <a:ahLst/>
+              <a:cxnLst/>
+              <a:rect l="0" t="0" r="r" b="b"/>
+              <a:pathLst>
+                <a:path w="188" h="112">
+                  <a:moveTo>
+                    <a:pt x="0" y="0"/>
+                  </a:moveTo>
+                  <a:cubicBezTo>
+                    <a:pt x="63" y="36"/>
+                    <a:pt x="126" y="73"/>
+                    <a:pt x="188" y="112"/>
+                  </a:cubicBezTo>
+                </a:path>
+              </a:pathLst>
+            </a:custGeom>
+            <a:noFill/>
+            <a:ln w="9525" cap="flat">
+              <a:solidFill>
+                <a:schemeClr val="tx1">
+                  <a:alpha val="35000"/>
+                </a:schemeClr>
+              </a:solidFill>
+              <a:prstDash val="solid"/>
+              <a:miter lim="800000"/>
+              <a:headEnd/>
+              <a:tailEnd/>
+            </a:ln>
+            <a:extLst>
+              <a:ext uri="{909E8E84-426E-40DD-AFC4-6F175D3DCCD1}">
+                <a14:hiddenFill xmlns:a14="http://schemas.microsoft.com/office/drawing/2010/main">
+                  <a:solidFill>
+                    <a:srgbClr val="FFFFFF"/>
+                  </a:solidFill>
+                </a14:hiddenFill>
+              </a:ext>
+            </a:extLst>
+          </p:spPr>
+        </p:sp>
+      </p:grpSp>
+      <p:sp>
+        <p:nvSpPr>
           <p:cNvPr id="2" name="Title 1">
             <a:extLst>
               <a:ext uri="{FF2B5EF4-FFF2-40B4-BE49-F238E27FC236}">
@@ -24044,8 +27236,8 @@
         </p:nvSpPr>
         <p:spPr>
           <a:xfrm>
-            <a:off x="888632" y="2349925"/>
-            <a:ext cx="2945950" cy="2182746"/>
+            <a:off x="888630" y="4760132"/>
+            <a:ext cx="4980883" cy="1777829"/>
           </a:xfrm>
         </p:spPr>
         <p:txBody>
@@ -24054,28 +27246,247 @@
           </a:bodyPr>
           <a:lstStyle/>
           <a:p>
-            <a:pPr algn="l"/>
+            <a:pPr algn="r"/>
             <a:r>
-              <a:rPr lang="en-US" sz="2000" dirty="0"/>
+              <a:rPr lang="en-US" sz="2500" dirty="0">
+                <a:solidFill>
+                  <a:schemeClr val="tx1"/>
+                </a:solidFill>
+              </a:rPr>
               <a:t>Performance evaluated on test set:</a:t>
             </a:r>
             <a:br>
-              <a:rPr lang="en-US" sz="2000" dirty="0"/>
+              <a:rPr lang="en-US" sz="2500" dirty="0">
+                <a:solidFill>
+                  <a:schemeClr val="tx1"/>
+                </a:solidFill>
+              </a:rPr>
             </a:br>
             <a:r>
-              <a:rPr lang="en-GB" sz="2000" b="1" dirty="0"/>
+              <a:rPr lang="en-GB" sz="2500" b="1" dirty="0">
+                <a:solidFill>
+                  <a:schemeClr val="tx1"/>
+                </a:solidFill>
+              </a:rPr>
               <a:t>Resnet50 with</a:t>
             </a:r>
             <a:br>
-              <a:rPr lang="en-GB" sz="2000" b="1" dirty="0"/>
+              <a:rPr lang="en-GB" sz="2500" b="1" dirty="0">
+                <a:solidFill>
+                  <a:schemeClr val="tx1"/>
+                </a:solidFill>
+              </a:rPr>
             </a:br>
             <a:r>
-              <a:rPr lang="en-GB" sz="2000" b="1" dirty="0"/>
-              <a:t>Adams</a:t>
+              <a:rPr lang="en-GB" sz="2500" b="1" dirty="0">
+                <a:solidFill>
+                  <a:schemeClr val="tx1"/>
+                </a:solidFill>
+              </a:rPr>
+              <a:t>Adam optimiser is our final model as it has the highest F1 score and accuracy</a:t>
             </a:r>
           </a:p>
         </p:txBody>
       </p:sp>
+      <p:sp>
+        <p:nvSpPr>
+          <p:cNvPr id="37" name="Freeform: Shape 36">
+            <a:extLst>
+              <a:ext uri="{FF2B5EF4-FFF2-40B4-BE49-F238E27FC236}">
+                <a16:creationId xmlns:a16="http://schemas.microsoft.com/office/drawing/2014/main" id="{44C110BA-81E8-4247-853A-5F2B93E92E46}"/>
+              </a:ext>
+              <a:ext uri="{C183D7F6-B498-43B3-948B-1728B52AA6E4}">
+                <adec:decorative xmlns:adec="http://schemas.microsoft.com/office/drawing/2017/decorative" val="1"/>
+              </a:ext>
+            </a:extLst>
+          </p:cNvPr>
+          <p:cNvSpPr>
+            <a:spLocks noGrp="1" noRot="1" noChangeAspect="1" noMove="1" noResize="1" noEditPoints="1" noAdjustHandles="1" noChangeArrowheads="1" noChangeShapeType="1" noTextEdit="1"/>
+          </p:cNvSpPr>
+          <p:nvPr>
+            <p:extLst>
+              <p:ext uri="{386F3935-93C4-4BCD-93E2-E3B085C9AB24}">
+                <p16:designElem xmlns:p16="http://schemas.microsoft.com/office/powerpoint/2015/main" val="1"/>
+              </p:ext>
+            </p:extLst>
+          </p:nvPr>
+        </p:nvSpPr>
+        <p:spPr>
+          <a:xfrm>
+            <a:off x="0" y="0"/>
+            <a:ext cx="12192000" cy="4537825"/>
+          </a:xfrm>
+          <a:custGeom>
+            <a:avLst/>
+            <a:gdLst>
+              <a:gd name="connsiteX0" fmla="*/ 0 w 12192000"/>
+              <a:gd name="connsiteY0" fmla="*/ 0 h 4537825"/>
+              <a:gd name="connsiteX1" fmla="*/ 12192000 w 12192000"/>
+              <a:gd name="connsiteY1" fmla="*/ 0 h 4537825"/>
+              <a:gd name="connsiteX2" fmla="*/ 12192000 w 12192000"/>
+              <a:gd name="connsiteY2" fmla="*/ 3020937 h 4537825"/>
+              <a:gd name="connsiteX3" fmla="*/ 12192000 w 12192000"/>
+              <a:gd name="connsiteY3" fmla="*/ 3213062 h 4537825"/>
+              <a:gd name="connsiteX4" fmla="*/ 12192000 w 12192000"/>
+              <a:gd name="connsiteY4" fmla="*/ 4188880 h 4537825"/>
+              <a:gd name="connsiteX5" fmla="*/ 12113803 w 12192000"/>
+              <a:gd name="connsiteY5" fmla="*/ 4197163 h 4537825"/>
+              <a:gd name="connsiteX6" fmla="*/ 6753597 w 12192000"/>
+              <a:gd name="connsiteY6" fmla="*/ 4520720 h 4537825"/>
+              <a:gd name="connsiteX7" fmla="*/ 400746 w 12192000"/>
+              <a:gd name="connsiteY7" fmla="*/ 4349377 h 4537825"/>
+              <a:gd name="connsiteX8" fmla="*/ 0 w 12192000"/>
+              <a:gd name="connsiteY8" fmla="*/ 4312401 h 4537825"/>
+              <a:gd name="connsiteX9" fmla="*/ 0 w 12192000"/>
+              <a:gd name="connsiteY9" fmla="*/ 3213062 h 4537825"/>
+              <a:gd name="connsiteX10" fmla="*/ 0 w 12192000"/>
+              <a:gd name="connsiteY10" fmla="*/ 3020937 h 4537825"/>
+            </a:gdLst>
+            <a:ahLst/>
+            <a:cxnLst>
+              <a:cxn ang="0">
+                <a:pos x="connsiteX0" y="connsiteY0"/>
+              </a:cxn>
+              <a:cxn ang="0">
+                <a:pos x="connsiteX1" y="connsiteY1"/>
+              </a:cxn>
+              <a:cxn ang="0">
+                <a:pos x="connsiteX2" y="connsiteY2"/>
+              </a:cxn>
+              <a:cxn ang="0">
+                <a:pos x="connsiteX3" y="connsiteY3"/>
+              </a:cxn>
+              <a:cxn ang="0">
+                <a:pos x="connsiteX4" y="connsiteY4"/>
+              </a:cxn>
+              <a:cxn ang="0">
+                <a:pos x="connsiteX5" y="connsiteY5"/>
+              </a:cxn>
+              <a:cxn ang="0">
+                <a:pos x="connsiteX6" y="connsiteY6"/>
+              </a:cxn>
+              <a:cxn ang="0">
+                <a:pos x="connsiteX7" y="connsiteY7"/>
+              </a:cxn>
+              <a:cxn ang="0">
+                <a:pos x="connsiteX8" y="connsiteY8"/>
+              </a:cxn>
+              <a:cxn ang="0">
+                <a:pos x="connsiteX9" y="connsiteY9"/>
+              </a:cxn>
+              <a:cxn ang="0">
+                <a:pos x="connsiteX10" y="connsiteY10"/>
+              </a:cxn>
+            </a:cxnLst>
+            <a:rect l="l" t="t" r="r" b="b"/>
+            <a:pathLst>
+              <a:path w="12192000" h="4537825">
+                <a:moveTo>
+                  <a:pt x="0" y="0"/>
+                </a:moveTo>
+                <a:lnTo>
+                  <a:pt x="12192000" y="0"/>
+                </a:lnTo>
+                <a:lnTo>
+                  <a:pt x="12192000" y="3020937"/>
+                </a:lnTo>
+                <a:lnTo>
+                  <a:pt x="12192000" y="3213062"/>
+                </a:lnTo>
+                <a:lnTo>
+                  <a:pt x="12192000" y="4188880"/>
+                </a:lnTo>
+                <a:lnTo>
+                  <a:pt x="12113803" y="4197163"/>
+                </a:lnTo>
+                <a:cubicBezTo>
+                  <a:pt x="10139508" y="4395112"/>
+                  <a:pt x="8237152" y="4488115"/>
+                  <a:pt x="6753597" y="4520720"/>
+                </a:cubicBezTo>
+                <a:cubicBezTo>
+                  <a:pt x="4940362" y="4560569"/>
+                  <a:pt x="2657278" y="4541239"/>
+                  <a:pt x="400746" y="4349377"/>
+                </a:cubicBezTo>
+                <a:lnTo>
+                  <a:pt x="0" y="4312401"/>
+                </a:lnTo>
+                <a:lnTo>
+                  <a:pt x="0" y="3213062"/>
+                </a:lnTo>
+                <a:lnTo>
+                  <a:pt x="0" y="3020937"/>
+                </a:lnTo>
+                <a:close/>
+              </a:path>
+            </a:pathLst>
+          </a:custGeom>
+          <a:solidFill>
+            <a:schemeClr val="tx1"/>
+          </a:solidFill>
+          <a:ln w="44450">
+            <a:noFill/>
+          </a:ln>
+          <a:effectLst/>
+        </p:spPr>
+        <p:style>
+          <a:lnRef idx="2">
+            <a:schemeClr val="accent1">
+              <a:shade val="50000"/>
+            </a:schemeClr>
+          </a:lnRef>
+          <a:fillRef idx="1003">
+            <a:schemeClr val="dk2"/>
+          </a:fillRef>
+          <a:effectRef idx="0">
+            <a:schemeClr val="accent1"/>
+          </a:effectRef>
+          <a:fontRef idx="minor">
+            <a:schemeClr val="lt1"/>
+          </a:fontRef>
+        </p:style>
+        <p:txBody>
+          <a:bodyPr wrap="square" rtlCol="0" anchor="ctr">
+            <a:noAutofit/>
+          </a:bodyPr>
+          <a:lstStyle/>
+          <a:p>
+            <a:pPr algn="ctr"/>
+            <a:endParaRPr lang="en-US"/>
+          </a:p>
+        </p:txBody>
+      </p:sp>
+      <p:pic>
+        <p:nvPicPr>
+          <p:cNvPr id="9" name="Picture 8" descr="Chart, treemap chart&#10;&#10;Description automatically generated">
+            <a:extLst>
+              <a:ext uri="{FF2B5EF4-FFF2-40B4-BE49-F238E27FC236}">
+                <a16:creationId xmlns:a16="http://schemas.microsoft.com/office/drawing/2014/main" id="{32818654-6AB7-4AA6-82A4-3C939956BF5A}"/>
+              </a:ext>
+            </a:extLst>
+          </p:cNvPr>
+          <p:cNvPicPr>
+            <a:picLocks noChangeAspect="1"/>
+          </p:cNvPicPr>
+          <p:nvPr/>
+        </p:nvPicPr>
+        <p:blipFill>
+          <a:blip r:embed="rId2"/>
+          <a:stretch>
+            <a:fillRect/>
+          </a:stretch>
+        </p:blipFill>
+        <p:spPr>
+          <a:xfrm>
+            <a:off x="1417247" y="658995"/>
+            <a:ext cx="3749550" cy="3355848"/>
+          </a:xfrm>
+          <a:prstGeom prst="rect">
+            <a:avLst/>
+          </a:prstGeom>
+        </p:spPr>
+      </p:pic>
       <p:sp>
         <p:nvSpPr>
           <p:cNvPr id="3" name="Content Placeholder 2">
@@ -24094,12 +27505,14 @@
         </p:nvSpPr>
         <p:spPr>
           <a:xfrm>
-            <a:off x="5118447" y="78658"/>
-            <a:ext cx="6281873" cy="5973150"/>
+            <a:off x="6324600" y="4767660"/>
+            <a:ext cx="5075720" cy="1770300"/>
           </a:xfrm>
         </p:spPr>
         <p:txBody>
-          <a:bodyPr/>
+          <a:bodyPr>
+            <a:normAutofit fontScale="47500" lnSpcReduction="20000"/>
+          </a:bodyPr>
           <a:lstStyle/>
           <a:p>
             <a:endParaRPr lang="en-GB" dirty="0"/>
@@ -24120,13 +27533,28 @@
             <a:endParaRPr lang="en-GB" dirty="0"/>
           </a:p>
           <a:p>
-            <a:endParaRPr lang="en-GB" dirty="0"/>
+            <a:r>
+              <a:rPr lang="en-GB" sz="4000" b="1" spc="-150" dirty="0">
+                <a:latin typeface="+mj-lt"/>
+                <a:ea typeface="+mj-ea"/>
+                <a:cs typeface="+mj-cs"/>
+              </a:rPr>
+              <a:t>Accuracy and  F1 score all models</a:t>
+            </a:r>
           </a:p>
           <a:p>
-            <a:endParaRPr lang="en-GB" dirty="0"/>
+            <a:endParaRPr lang="en-GB" sz="4000" b="1" spc="-150" dirty="0">
+              <a:latin typeface="+mj-lt"/>
+              <a:ea typeface="+mj-ea"/>
+              <a:cs typeface="+mj-cs"/>
+            </a:endParaRPr>
           </a:p>
           <a:p>
-            <a:endParaRPr lang="en-GB" dirty="0"/>
+            <a:endParaRPr lang="en-GB" sz="4000" b="1" spc="-150" dirty="0">
+              <a:latin typeface="+mj-lt"/>
+              <a:ea typeface="+mj-ea"/>
+              <a:cs typeface="+mj-cs"/>
+            </a:endParaRPr>
           </a:p>
           <a:p>
             <a:endParaRPr lang="en-GB" dirty="0"/>
@@ -24150,40 +27578,10 @@
       </p:sp>
       <p:pic>
         <p:nvPicPr>
-          <p:cNvPr id="5" name="Picture 4" descr="Text&#10;&#10;Description automatically generated">
+          <p:cNvPr id="8" name="Picture 7" descr="Table&#10;&#10;Description automatically generated">
             <a:extLst>
               <a:ext uri="{FF2B5EF4-FFF2-40B4-BE49-F238E27FC236}">
-                <a16:creationId xmlns:a16="http://schemas.microsoft.com/office/drawing/2014/main" id="{92B57BA0-3A5B-4D72-821B-51673202D8EA}"/>
-              </a:ext>
-            </a:extLst>
-          </p:cNvPr>
-          <p:cNvPicPr>
-            <a:picLocks noChangeAspect="1"/>
-          </p:cNvPicPr>
-          <p:nvPr/>
-        </p:nvPicPr>
-        <p:blipFill>
-          <a:blip r:embed="rId2"/>
-          <a:stretch>
-            <a:fillRect/>
-          </a:stretch>
-        </p:blipFill>
-        <p:spPr>
-          <a:xfrm>
-            <a:off x="5622196" y="806192"/>
-            <a:ext cx="4343400" cy="800100"/>
-          </a:xfrm>
-          <a:prstGeom prst="rect">
-            <a:avLst/>
-          </a:prstGeom>
-        </p:spPr>
-      </p:pic>
-      <p:pic>
-        <p:nvPicPr>
-          <p:cNvPr id="9" name="Picture 8" descr="Chart, treemap chart&#10;&#10;Description automatically generated">
-            <a:extLst>
-              <a:ext uri="{FF2B5EF4-FFF2-40B4-BE49-F238E27FC236}">
-                <a16:creationId xmlns:a16="http://schemas.microsoft.com/office/drawing/2014/main" id="{32818654-6AB7-4AA6-82A4-3C939956BF5A}"/>
+                <a16:creationId xmlns:a16="http://schemas.microsoft.com/office/drawing/2014/main" id="{AB258833-0661-484D-BF88-07A44CF53F9F}"/>
               </a:ext>
             </a:extLst>
           </p:cNvPr>
@@ -24200,8 +27598,8 @@
         </p:blipFill>
         <p:spPr>
           <a:xfrm>
-            <a:off x="5118447" y="2062706"/>
-            <a:ext cx="5350899" cy="4795294"/>
+            <a:off x="6549597" y="1628567"/>
+            <a:ext cx="4086225" cy="1533525"/>
           </a:xfrm>
           <a:prstGeom prst="rect">
             <a:avLst/>
@@ -24216,7 +27614,7 @@
     </p:extLst>
   </p:cSld>
   <p:clrMapOvr>
-    <a:masterClrMapping/>
+    <a:overrideClrMapping bg1="dk1" tx1="lt1" bg2="dk2" tx2="lt2" accent1="accent1" accent2="accent2" accent3="accent3" accent4="accent4" accent5="accent5" accent6="accent6" hlink="hlink" folHlink="folHlink"/>
   </p:clrMapOvr>
 </p:sld>
 </file>
@@ -24444,7 +27842,7 @@
         </p:spPr>
         <p:txBody>
           <a:bodyPr>
-            <a:normAutofit fontScale="92500" lnSpcReduction="20000"/>
+            <a:normAutofit fontScale="85000" lnSpcReduction="20000"/>
           </a:bodyPr>
           <a:lstStyle/>
           <a:p>
@@ -24470,6 +27868,17 @@
               <a:rPr lang="en-GB" dirty="0"/>
               <a:t>Implementing class dataset</a:t>
             </a:r>
+          </a:p>
+          <a:p>
+            <a:r>
+              <a:rPr lang="en-GB" dirty="0"/>
+              <a:t>Tensor board in </a:t>
+            </a:r>
+            <a:r>
+              <a:rPr lang="en-GB" dirty="0" err="1"/>
+              <a:t>colab</a:t>
+            </a:r>
+            <a:endParaRPr lang="en-GB" dirty="0"/>
           </a:p>
           <a:p>
             <a:r>

--- a/deep-learning-fire-detection.pptx
+++ b/deep-learning-fire-detection.pptx
@@ -1571,7 +1571,7 @@
             <a:fld id="{48A87A34-81AB-432B-8DAE-1953F412C126}" type="datetimeFigureOut">
               <a:rPr lang="en-US" dirty="0"/>
               <a:pPr/>
-              <a:t>9/5/2021</a:t>
+              <a:t>9/6/2021</a:t>
             </a:fld>
             <a:endParaRPr lang="en-US" dirty="0"/>
           </a:p>
@@ -3025,7 +3025,7 @@
           <a:p>
             <a:fld id="{48A87A34-81AB-432B-8DAE-1953F412C126}" type="datetimeFigureOut">
               <a:rPr lang="en-US" dirty="0"/>
-              <a:t>9/5/2021</a:t>
+              <a:t>9/6/2021</a:t>
             </a:fld>
             <a:endParaRPr lang="en-US" dirty="0"/>
           </a:p>
@@ -4473,7 +4473,7 @@
           <a:p>
             <a:fld id="{48A87A34-81AB-432B-8DAE-1953F412C126}" type="datetimeFigureOut">
               <a:rPr lang="en-US" dirty="0"/>
-              <a:t>9/5/2021</a:t>
+              <a:t>9/6/2021</a:t>
             </a:fld>
             <a:endParaRPr lang="en-US" dirty="0"/>
           </a:p>
@@ -5923,7 +5923,7 @@
           <a:p>
             <a:fld id="{48A87A34-81AB-432B-8DAE-1953F412C126}" type="datetimeFigureOut">
               <a:rPr lang="en-US" dirty="0"/>
-              <a:t>9/5/2021</a:t>
+              <a:t>9/6/2021</a:t>
             </a:fld>
             <a:endParaRPr lang="en-US" dirty="0"/>
           </a:p>
@@ -7426,7 +7426,7 @@
           <a:p>
             <a:fld id="{48A87A34-81AB-432B-8DAE-1953F412C126}" type="datetimeFigureOut">
               <a:rPr lang="en-US" dirty="0"/>
-              <a:t>9/5/2021</a:t>
+              <a:t>9/6/2021</a:t>
             </a:fld>
             <a:endParaRPr lang="en-US" dirty="0"/>
           </a:p>
@@ -8942,7 +8942,7 @@
           <a:p>
             <a:fld id="{48A87A34-81AB-432B-8DAE-1953F412C126}" type="datetimeFigureOut">
               <a:rPr lang="en-US" dirty="0"/>
-              <a:t>9/5/2021</a:t>
+              <a:t>9/6/2021</a:t>
             </a:fld>
             <a:endParaRPr lang="en-US" dirty="0"/>
           </a:p>
@@ -10602,7 +10602,7 @@
           <a:p>
             <a:fld id="{48A87A34-81AB-432B-8DAE-1953F412C126}" type="datetimeFigureOut">
               <a:rPr lang="en-US" dirty="0"/>
-              <a:t>9/5/2021</a:t>
+              <a:t>9/6/2021</a:t>
             </a:fld>
             <a:endParaRPr lang="en-US" dirty="0"/>
           </a:p>
@@ -11995,7 +11995,7 @@
           <a:p>
             <a:fld id="{48A87A34-81AB-432B-8DAE-1953F412C126}" type="datetimeFigureOut">
               <a:rPr lang="en-US" dirty="0"/>
-              <a:t>9/5/2021</a:t>
+              <a:t>9/6/2021</a:t>
             </a:fld>
             <a:endParaRPr lang="en-US" dirty="0"/>
           </a:p>
@@ -12090,7 +12090,7 @@
           <a:p>
             <a:fld id="{48A87A34-81AB-432B-8DAE-1953F412C126}" type="datetimeFigureOut">
               <a:rPr lang="en-US" dirty="0"/>
-              <a:t>9/5/2021</a:t>
+              <a:t>9/6/2021</a:t>
             </a:fld>
             <a:endParaRPr lang="en-US" dirty="0"/>
           </a:p>
@@ -13611,7 +13611,7 @@
           <a:p>
             <a:fld id="{48A87A34-81AB-432B-8DAE-1953F412C126}" type="datetimeFigureOut">
               <a:rPr lang="en-US" dirty="0"/>
-              <a:t>9/5/2021</a:t>
+              <a:t>9/6/2021</a:t>
             </a:fld>
             <a:endParaRPr lang="en-US" dirty="0"/>
           </a:p>
@@ -15142,7 +15142,7 @@
           <a:p>
             <a:fld id="{48A87A34-81AB-432B-8DAE-1953F412C126}" type="datetimeFigureOut">
               <a:rPr lang="en-US" dirty="0"/>
-              <a:t>9/5/2021</a:t>
+              <a:t>9/6/2021</a:t>
             </a:fld>
             <a:endParaRPr lang="en-US" dirty="0"/>
           </a:p>
@@ -15361,7 +15361,7 @@
             <a:fld id="{48A87A34-81AB-432B-8DAE-1953F412C126}" type="datetimeFigureOut">
               <a:rPr lang="en-US" dirty="0"/>
               <a:pPr/>
-              <a:t>9/5/2021</a:t>
+              <a:t>9/6/2021</a:t>
             </a:fld>
             <a:endParaRPr lang="en-US" dirty="0"/>
           </a:p>
@@ -20223,26 +20223,9 @@
             </a:pPr>
             <a:r>
               <a:rPr lang="en-US" sz="1200" b="1" dirty="0"/>
-              <a:t>It </a:t>
+              <a:t>23 million trainable parameters.</a:t>
             </a:r>
-            <a:r>
-              <a:rPr lang="en-US" sz="1200" b="1" u="sng" dirty="0"/>
-              <a:t>trains extremely deep neural networks with 150+layers successfully. </a:t>
-            </a:r>
-          </a:p>
-          <a:p>
-            <a:pPr>
-              <a:lnSpc>
-                <a:spcPct val="110000"/>
-              </a:lnSpc>
-              <a:buClr>
-                <a:srgbClr val="FCA32C"/>
-              </a:buClr>
-            </a:pPr>
-            <a:r>
-              <a:rPr lang="en-US" sz="1200" b="1" u="sng" dirty="0"/>
-              <a:t>Helps  mitigating the vanishing gradient problem</a:t>
-            </a:r>
+            <a:endParaRPr lang="en-US" sz="1200" b="1" u="sng" dirty="0"/>
           </a:p>
           <a:p>
             <a:pPr>
@@ -20257,6 +20240,31 @@
               <a:rPr lang="en-US" sz="1200" b="1" u="sng" dirty="0"/>
               <a:t>The higher layer will perform at least as good as the lower layer, and not worse</a:t>
             </a:r>
+          </a:p>
+          <a:p>
+            <a:pPr>
+              <a:lnSpc>
+                <a:spcPct val="110000"/>
+              </a:lnSpc>
+              <a:buClr>
+                <a:srgbClr val="FCA32C"/>
+              </a:buClr>
+            </a:pPr>
+            <a:r>
+              <a:rPr lang="en-US" sz="1200" b="1" dirty="0"/>
+              <a:t>Convolution + batch norm operations are done in a way that the output shape is the same, then we can simply add them </a:t>
+            </a:r>
+          </a:p>
+          <a:p>
+            <a:pPr>
+              <a:lnSpc>
+                <a:spcPct val="110000"/>
+              </a:lnSpc>
+              <a:buClr>
+                <a:srgbClr val="FCA32C"/>
+              </a:buClr>
+            </a:pPr>
+            <a:endParaRPr lang="en-US" sz="1200" b="1" u="sng" dirty="0"/>
           </a:p>
         </p:txBody>
       </p:sp>
@@ -20505,17 +20513,38 @@
                 <a:srgbClr val="FCA32C"/>
               </a:buClr>
             </a:pPr>
+            <a:endParaRPr lang="en-US" sz="1200" b="1" dirty="0"/>
+          </a:p>
+          <a:p>
+            <a:pPr>
+              <a:lnSpc>
+                <a:spcPct val="110000"/>
+              </a:lnSpc>
+              <a:buClr>
+                <a:srgbClr val="FCA32C"/>
+              </a:buClr>
+            </a:pPr>
             <a:r>
               <a:rPr lang="en-US" sz="1200" b="1" dirty="0"/>
-              <a:t>The concept of skip connections was introduced by </a:t>
+              <a:t>Skips connections. adding the original input to the output of the convolution block.</a:t>
             </a:r>
+          </a:p>
+          <a:p>
+            <a:pPr>
+              <a:lnSpc>
+                <a:spcPct val="110000"/>
+              </a:lnSpc>
+              <a:buClr>
+                <a:srgbClr val="FCA32C"/>
+              </a:buClr>
+            </a:pPr>
             <a:r>
-              <a:rPr lang="en-US" sz="1200" b="1" dirty="0" err="1"/>
-              <a:t>ResNet</a:t>
+              <a:rPr lang="en-US" sz="1200" b="1" u="sng" dirty="0"/>
+              <a:t>Helps  mitigating the vanishing gradient problem</a:t>
             </a:r>
             <a:r>
               <a:rPr lang="en-US" sz="1200" b="1" dirty="0"/>
-              <a:t>. adding the original input to the output of the convolution block. </a:t>
+              <a:t> </a:t>
             </a:r>
           </a:p>
           <a:p>
@@ -20529,7 +20558,11 @@
             </a:pPr>
             <a:r>
               <a:rPr lang="en-US" sz="1200" b="1" dirty="0"/>
-              <a:t>Convolution + batch norm operations are done in a way that the output shape is the same, then we can simply add them </a:t>
+              <a:t>It </a:t>
+            </a:r>
+            <a:r>
+              <a:rPr lang="en-US" sz="1200" b="1" u="sng" dirty="0"/>
+              <a:t>trains extremely deep neural networks with 150+layers successfully. </a:t>
             </a:r>
           </a:p>
           <a:p>
@@ -20541,10 +20574,6 @@
                 <a:srgbClr val="FCA32C"/>
               </a:buClr>
             </a:pPr>
-            <a:r>
-              <a:rPr lang="en-US" sz="1200" b="1" dirty="0"/>
-              <a:t>23 million trainable parameters.</a:t>
-            </a:r>
             <a:endParaRPr lang="en-GB" sz="1200" b="1" dirty="0"/>
           </a:p>
         </p:txBody>
@@ -28780,7 +28809,7 @@
             </a:br>
             <a:r>
               <a:rPr lang="en-US" sz="2800" b="1" dirty="0"/>
-              <a:t>test loss is bigger than training loss: underfitting</a:t>
+              <a:t>training loss is  high: underfitting</a:t>
             </a:r>
           </a:p>
         </p:txBody>
@@ -33548,7 +33577,7 @@
         </p:spPr>
         <p:txBody>
           <a:bodyPr vert="horz" lIns="228600" tIns="228600" rIns="228600" bIns="0" rtlCol="0" anchor="b">
-            <a:normAutofit/>
+            <a:normAutofit fontScale="90000"/>
           </a:bodyPr>
           <a:lstStyle/>
           <a:p>
@@ -33558,22 +33587,49 @@
               </a:lnSpc>
             </a:pPr>
             <a:r>
-              <a:rPr lang="en-US" sz="1300"/>
+              <a:rPr lang="en-US" sz="2500" b="1" dirty="0">
+                <a:latin typeface="Calibri Light" panose="020F0302020204030204"/>
+              </a:rPr>
               <a:t>Inception</a:t>
             </a:r>
             <a:br>
-              <a:rPr lang="en-US" sz="1300"/>
+              <a:rPr lang="en-US" sz="2500" b="1" dirty="0">
+                <a:latin typeface="Calibri Light" panose="020F0302020204030204"/>
+              </a:rPr>
+            </a:br>
+            <a:br>
+              <a:rPr lang="en-US" sz="2500" b="1" dirty="0">
+                <a:latin typeface="Calibri Light" panose="020F0302020204030204"/>
+              </a:rPr>
             </a:br>
             <a:r>
-              <a:rPr lang="en-US" sz="1300"/>
-              <a:t>tensorboard</a:t>
+              <a:rPr lang="en-US" sz="2500" b="1" dirty="0" err="1">
+                <a:latin typeface="Calibri Light" panose="020F0302020204030204"/>
+              </a:rPr>
+              <a:t>Inception</a:t>
+            </a:r>
+            <a:r>
+              <a:rPr lang="en-US" sz="2500" b="1" dirty="0">
+                <a:latin typeface="Calibri Light" panose="020F0302020204030204"/>
+              </a:rPr>
+              <a:t> / part1 / 0.001/ 64/ Adam/ </a:t>
+            </a:r>
+            <a:r>
+              <a:rPr lang="en-US" sz="2500" b="1" dirty="0" err="1">
+                <a:latin typeface="Calibri Light" panose="020F0302020204030204"/>
+              </a:rPr>
+              <a:t>CrossEnt</a:t>
             </a:r>
             <a:br>
-              <a:rPr lang="en-US" sz="1300"/>
+              <a:rPr lang="en-US" sz="2500" b="1" dirty="0">
+                <a:latin typeface="Calibri Light" panose="020F0302020204030204"/>
+              </a:rPr>
             </a:br>
             <a:r>
-              <a:rPr lang="en-US" sz="1300"/>
-              <a:t>runs_inception_part1_0_001_64_Adam_CrossEnt</a:t>
+              <a:rPr lang="en-US" sz="2500" b="1" dirty="0">
+                <a:latin typeface="Calibri Light" panose="020F0302020204030204"/>
+              </a:rPr>
+              <a:t>Underfitting  High loss in the training</a:t>
             </a:r>
           </a:p>
         </p:txBody>
@@ -46701,8 +46757,12 @@
               <a:t>-</a:t>
             </a:r>
             <a:r>
+              <a:rPr lang="en-GB" sz="1600" b="1" dirty="0"/>
+              <a:t>Low cost </a:t>
+            </a:r>
+            <a:r>
               <a:rPr lang="en-GB" sz="1400" dirty="0"/>
-              <a:t>Low cost due to the existing set up of installed cameras for surveillance</a:t>
+              <a:t>due to the existing set up of installed cameras for surveillance</a:t>
             </a:r>
           </a:p>
           <a:p>
@@ -46711,7 +46771,29 @@
             </a:pPr>
             <a:r>
               <a:rPr lang="en-GB" sz="1400" dirty="0"/>
-              <a:t>-Monitoring larger regions</a:t>
+              <a:t>-Monitoring </a:t>
+            </a:r>
+            <a:r>
+              <a:rPr lang="en-GB" sz="1600" b="1" dirty="0"/>
+              <a:t>larger regions</a:t>
+            </a:r>
+            <a:endParaRPr lang="en-GB" sz="1400" b="1" dirty="0"/>
+          </a:p>
+          <a:p>
+            <a:pPr marL="0" indent="0">
+              <a:buNone/>
+            </a:pPr>
+            <a:r>
+              <a:rPr lang="en-GB" sz="1400" dirty="0"/>
+              <a:t>-</a:t>
+            </a:r>
+            <a:r>
+              <a:rPr lang="en-GB" sz="1600" b="1" dirty="0"/>
+              <a:t>Fast response </a:t>
+            </a:r>
+            <a:r>
+              <a:rPr lang="en-GB" sz="1400" dirty="0"/>
+              <a:t>due to the elimination of waiting time for heat diffusion</a:t>
             </a:r>
           </a:p>
           <a:p>
@@ -46720,8 +46802,13 @@
             </a:pPr>
             <a:r>
               <a:rPr lang="en-GB" sz="1400" dirty="0"/>
-              <a:t>-Fast response due to the elimination of waiting time for heat diffusion</a:t>
+              <a:t>-Fire confirmation without visiting location, </a:t>
             </a:r>
+            <a:r>
+              <a:rPr lang="en-GB" sz="1600" b="1" dirty="0"/>
+              <a:t>less human interaction</a:t>
+            </a:r>
+            <a:endParaRPr lang="en-GB" sz="1400" b="1" dirty="0"/>
           </a:p>
           <a:p>
             <a:pPr marL="0" indent="0">
@@ -46729,21 +46816,15 @@
             </a:pPr>
             <a:r>
               <a:rPr lang="en-GB" sz="1400" dirty="0"/>
-              <a:t>-Fire confirmation without visiting location, less human </a:t>
+              <a:t>-Availability of </a:t>
             </a:r>
             <a:r>
-              <a:rPr lang="en-GB" sz="1400" dirty="0" err="1"/>
-              <a:t>interaccion</a:t>
+              <a:rPr lang="en-GB" sz="1600" b="1" dirty="0"/>
+              <a:t>more details </a:t>
             </a:r>
-            <a:endParaRPr lang="en-GB" sz="1400" dirty="0"/>
-          </a:p>
-          <a:p>
-            <a:pPr marL="0" indent="0">
-              <a:buNone/>
-            </a:pPr>
             <a:r>
               <a:rPr lang="en-GB" sz="1400" dirty="0"/>
-              <a:t>-Availability of details such as size, location and degree </a:t>
+              <a:t>such as size, location and degree </a:t>
             </a:r>
           </a:p>
           <a:p>
@@ -46792,10 +46873,10 @@
               <a:t>-Lower images quality due to network constrains: </a:t>
             </a:r>
             <a:r>
-              <a:rPr lang="en-GB" sz="1600" dirty="0"/>
+              <a:rPr lang="en-GB" sz="1600" b="1" dirty="0"/>
               <a:t>Use high quality images when probability of fire is higher </a:t>
             </a:r>
-            <a:endParaRPr lang="en-GB" sz="1400" dirty="0"/>
+            <a:endParaRPr lang="en-GB" sz="1400" b="1" dirty="0"/>
           </a:p>
         </p:txBody>
       </p:sp>
@@ -46913,13 +46994,22 @@
               <a:buChar char="•"/>
             </a:pPr>
             <a:r>
+              <a:rPr lang="en-GB" b="1" i="0" dirty="0">
+                <a:solidFill>
+                  <a:srgbClr val="222222"/>
+                </a:solidFill>
+                <a:effectLst/>
+              </a:rPr>
+              <a:t>CNN is state of the art performance </a:t>
+            </a:r>
+            <a:r>
               <a:rPr lang="en-GB" b="0" i="0" dirty="0">
                 <a:solidFill>
                   <a:srgbClr val="222222"/>
                 </a:solidFill>
                 <a:effectLst/>
               </a:rPr>
-              <a:t>CNN have exhibited state of the art performance in a variety of </a:t>
+              <a:t>in a variety of </a:t>
             </a:r>
             <a:r>
               <a:rPr lang="en-GB" dirty="0">
@@ -46945,12 +47035,20 @@
               <a:buChar char="•"/>
             </a:pPr>
             <a:r>
+              <a:rPr lang="en-US" b="1" dirty="0">
+                <a:solidFill>
+                  <a:srgbClr val="222222"/>
+                </a:solidFill>
+              </a:rPr>
+              <a:t>Multiple feature extraction stages </a:t>
+            </a:r>
+            <a:r>
               <a:rPr lang="en-US" dirty="0">
                 <a:solidFill>
                   <a:srgbClr val="222222"/>
                 </a:solidFill>
               </a:rPr>
-              <a:t>Multiple feature extraction stages can automatically learn representations from the data</a:t>
+              <a:t>can automatically learn representations from the data</a:t>
             </a:r>
             <a:endParaRPr lang="en-GB" dirty="0">
               <a:solidFill>
@@ -47086,13 +47184,13 @@
         <p:spPr/>
         <p:txBody>
           <a:bodyPr>
-            <a:normAutofit fontScale="90000"/>
+            <a:normAutofit/>
           </a:bodyPr>
           <a:lstStyle/>
           <a:p>
             <a:r>
               <a:rPr lang="en-US" dirty="0"/>
-              <a:t>How the solution will be used in practice - how will I interact with it?</a:t>
+              <a:t>How the solution will be used in practice</a:t>
             </a:r>
             <a:endParaRPr lang="en-GB" dirty="0"/>
           </a:p>
@@ -47134,17 +47232,16 @@
                 </a:solidFill>
                 <a:effectLst/>
               </a:rPr>
-              <a:t>ccess webcams and predicting whether each frame contains fire or not </a:t>
+              <a:t>ccess webcams and </a:t>
             </a:r>
-          </a:p>
-          <a:p>
             <a:r>
-              <a:rPr lang="en-US" dirty="0">
+              <a:rPr lang="en-US" b="1" i="0" dirty="0">
                 <a:solidFill>
                   <a:srgbClr val="292929"/>
                 </a:solidFill>
+                <a:effectLst/>
               </a:rPr>
-              <a:t>Re</a:t>
+              <a:t>predicting</a:t>
             </a:r>
             <a:r>
               <a:rPr lang="en-US" b="0" i="0" dirty="0">
@@ -47153,17 +47250,26 @@
                 </a:solidFill>
                 <a:effectLst/>
               </a:rPr>
-              <a:t>al time detection</a:t>
+              <a:t> whether each frame contains fire or not at an early stage</a:t>
             </a:r>
           </a:p>
           <a:p>
             <a:r>
-              <a:rPr lang="en-US" dirty="0">
+              <a:rPr lang="en-US" sz="2000" b="1" dirty="0">
                 <a:solidFill>
                   <a:srgbClr val="292929"/>
                 </a:solidFill>
               </a:rPr>
-              <a:t>W</a:t>
+              <a:t>A</a:t>
+            </a:r>
+            <a:r>
+              <a:rPr lang="en-US" sz="2000" b="1" i="0" dirty="0">
+                <a:solidFill>
+                  <a:srgbClr val="292929"/>
+                </a:solidFill>
+                <a:effectLst/>
+              </a:rPr>
+              <a:t>ssistance</a:t>
             </a:r>
             <a:r>
               <a:rPr lang="en-US" b="0" i="0" dirty="0">
@@ -47172,26 +47278,7 @@
                 </a:solidFill>
                 <a:effectLst/>
               </a:rPr>
-              <a:t>e can detect fire from images or videos at an early stage</a:t>
-            </a:r>
-          </a:p>
-          <a:p>
-            <a:r>
-              <a:rPr lang="en-US" dirty="0">
-                <a:solidFill>
-                  <a:srgbClr val="292929"/>
-                </a:solidFill>
-              </a:rPr>
-              <a:t>A</a:t>
-            </a:r>
-            <a:r>
-              <a:rPr lang="en-US" b="0" i="0" dirty="0">
-                <a:solidFill>
-                  <a:srgbClr val="292929"/>
-                </a:solidFill>
-                <a:effectLst/>
-              </a:rPr>
-              <a:t>ssistance to disaster management teams in managing fire disasters on time, preventing huge losses.</a:t>
+              <a:t> to disaster management teams in managing fire disasters on time, preventing huge losses.</a:t>
             </a:r>
           </a:p>
           <a:p>
@@ -47281,18 +47368,18 @@
         <p:spPr/>
         <p:txBody>
           <a:bodyPr>
-            <a:normAutofit lnSpcReduction="10000"/>
+            <a:normAutofit/>
           </a:bodyPr>
           <a:lstStyle/>
           <a:p>
             <a:r>
-              <a:rPr lang="en-GB" dirty="0"/>
+              <a:rPr lang="en-GB" sz="1600" dirty="0"/>
               <a:t>A basic CNN architecture</a:t>
             </a:r>
           </a:p>
           <a:p>
             <a:r>
-              <a:rPr lang="en-GB" dirty="0"/>
+              <a:rPr lang="en-GB" sz="1600" dirty="0"/>
               <a:t>Pre-trained models: Resnet and inception</a:t>
             </a:r>
           </a:p>
@@ -47301,7 +47388,7 @@
               <a:buNone/>
             </a:pPr>
             <a:r>
-              <a:rPr lang="en-US" dirty="0">
+              <a:rPr lang="en-US" sz="1600" dirty="0">
                 <a:solidFill>
                   <a:srgbClr val="292929"/>
                 </a:solidFill>
@@ -47309,7 +47396,7 @@
               <a:t>-L</a:t>
             </a:r>
             <a:r>
-              <a:rPr lang="en-US" b="0" i="0" dirty="0">
+              <a:rPr lang="en-US" sz="1600" b="0" i="0" dirty="0">
                 <a:solidFill>
                   <a:srgbClr val="292929"/>
                 </a:solidFill>
@@ -47317,14 +47404,14 @@
               </a:rPr>
               <a:t>oad the batches of images, feed forward loop, calculate the loss function and use the optimizer to apply gradient descent in back-propagation.</a:t>
             </a:r>
-            <a:endParaRPr lang="en-GB" dirty="0"/>
+            <a:endParaRPr lang="en-GB" sz="1600" dirty="0"/>
           </a:p>
           <a:p>
             <a:pPr marL="0" indent="0">
               <a:buNone/>
             </a:pPr>
             <a:r>
-              <a:rPr lang="en-US" dirty="0">
+              <a:rPr lang="en-US" sz="1600" dirty="0">
                 <a:solidFill>
                   <a:srgbClr val="292929"/>
                 </a:solidFill>
@@ -47332,13 +47419,40 @@
               <a:t>-</a:t>
             </a:r>
             <a:r>
-              <a:rPr lang="en-US" b="0" i="0" dirty="0">
+              <a:rPr lang="en-US" sz="1600" b="1" i="0" dirty="0">
                 <a:solidFill>
                   <a:srgbClr val="292929"/>
                 </a:solidFill>
                 <a:effectLst/>
               </a:rPr>
-              <a:t>freeze the pre-trained layers, so we don’t backprop through them during training</a:t>
+              <a:t>freeze</a:t>
+            </a:r>
+            <a:r>
+              <a:rPr lang="en-US" sz="1600" i="0" dirty="0">
+                <a:solidFill>
+                  <a:srgbClr val="292929"/>
+                </a:solidFill>
+                <a:effectLst/>
+              </a:rPr>
+              <a:t> </a:t>
+            </a:r>
+            <a:r>
+              <a:rPr lang="en-US" sz="1600" b="1" i="0" dirty="0">
+                <a:solidFill>
+                  <a:srgbClr val="292929"/>
+                </a:solidFill>
+                <a:effectLst/>
+              </a:rPr>
+              <a:t>pre-trained layers</a:t>
+            </a:r>
+            <a:r>
+              <a:rPr lang="en-US" sz="1600" b="0" i="0" dirty="0">
+                <a:solidFill>
+                  <a:srgbClr val="292929"/>
+                </a:solidFill>
+                <a:effectLst/>
+              </a:rPr>
+              <a:t>, so we don’t backprop through them during training</a:t>
             </a:r>
           </a:p>
           <a:p>
@@ -47346,7 +47460,7 @@
               <a:buNone/>
             </a:pPr>
             <a:r>
-              <a:rPr lang="en-US" dirty="0">
+              <a:rPr lang="en-US" sz="1600" dirty="0">
                 <a:solidFill>
                   <a:srgbClr val="292929"/>
                 </a:solidFill>
@@ -47354,7 +47468,7 @@
               <a:t>-</a:t>
             </a:r>
             <a:r>
-              <a:rPr lang="en-US" b="0" i="0" dirty="0">
+              <a:rPr lang="en-US" sz="1600" b="0" i="0" dirty="0">
                 <a:solidFill>
                   <a:srgbClr val="292929"/>
                 </a:solidFill>
@@ -47363,7 +47477,7 @@
               <a:t>re-define the final fully-connected layers, the ones to train our images. Fine-tuning with our dataset keeping a slower learning rate. The slow learning rate allows the </a:t>
             </a:r>
             <a:r>
-              <a:rPr lang="en-US" sz="2000" b="1" i="0" dirty="0">
+              <a:rPr lang="en-US" sz="1600" b="1" i="0" dirty="0">
                 <a:solidFill>
                   <a:srgbClr val="292929"/>
                 </a:solidFill>
@@ -47371,7 +47485,7 @@
               </a:rPr>
               <a:t>previously learned parameters to be minimally adjusted</a:t>
             </a:r>
-            <a:endParaRPr lang="en-GB" b="0" i="0" dirty="0">
+            <a:endParaRPr lang="en-GB" sz="1600" b="0" i="0" dirty="0">
               <a:solidFill>
                 <a:srgbClr val="292929"/>
               </a:solidFill>
@@ -47383,7 +47497,7 @@
               <a:buNone/>
             </a:pPr>
             <a:r>
-              <a:rPr lang="en-GB" dirty="0">
+              <a:rPr lang="en-GB" sz="1600" dirty="0">
                 <a:solidFill>
                   <a:srgbClr val="292929"/>
                 </a:solidFill>
@@ -47391,10 +47505,10 @@
               <a:t>-</a:t>
             </a:r>
             <a:r>
-              <a:rPr lang="en-GB" b="1" dirty="0"/>
+              <a:rPr lang="en-GB" sz="1600" b="1" dirty="0"/>
               <a:t>Learns details at small scale enabling detection in the early stages</a:t>
             </a:r>
-            <a:endParaRPr lang="en-US" b="1" i="0" dirty="0">
+            <a:endParaRPr lang="en-US" sz="1600" b="1" i="0" dirty="0">
               <a:solidFill>
                 <a:srgbClr val="FF0000"/>
               </a:solidFill>
@@ -47462,11 +47576,8 @@
             </a:br>
             <a:r>
               <a:rPr lang="en-US" sz="2800" dirty="0"/>
-              <a:t>CNN model contains:</a:t>
+              <a:t>CNN model architecture</a:t>
             </a:r>
-            <a:br>
-              <a:rPr lang="en-US" sz="1800" dirty="0"/>
-            </a:br>
             <a:endParaRPr lang="en-GB" sz="2000" dirty="0"/>
           </a:p>
         </p:txBody>
@@ -47493,11 +47604,11 @@
           <a:lstStyle/>
           <a:p>
             <a:r>
-              <a:rPr lang="en-US" dirty="0"/>
+              <a:rPr lang="en-US" b="1" dirty="0"/>
               <a:t>T</a:t>
             </a:r>
             <a:r>
-              <a:rPr lang="en-US" sz="1800" dirty="0"/>
+              <a:rPr lang="en-US" sz="1800" b="1" dirty="0"/>
               <a:t>hree Conv2D-MaxPooling2D layers pairs </a:t>
             </a:r>
           </a:p>
@@ -47508,13 +47619,33 @@
             </a:r>
             <a:r>
               <a:rPr lang="en-US" sz="1800" dirty="0"/>
-              <a:t>ollowed by 3 Dense layers.</a:t>
+              <a:t>ollowed by </a:t>
+            </a:r>
+            <a:r>
+              <a:rPr lang="en-US" sz="1800" b="1" dirty="0"/>
+              <a:t>3 Dense layers.</a:t>
             </a:r>
           </a:p>
           <a:p>
             <a:r>
               <a:rPr lang="en-US" sz="1800" dirty="0"/>
-              <a:t>To overcome the problem of overfitting we will also add dropout layers.  Fully connected layers are very prone to overfitting. Due to the large number of parameters.</a:t>
+              <a:t>To overcome the problem of </a:t>
+            </a:r>
+            <a:r>
+              <a:rPr lang="en-US" sz="1800" b="1" dirty="0"/>
+              <a:t>overfitting </a:t>
+            </a:r>
+            <a:r>
+              <a:rPr lang="en-US" sz="1800" dirty="0"/>
+              <a:t>we will also add </a:t>
+            </a:r>
+            <a:r>
+              <a:rPr lang="en-US" sz="1800" b="1" dirty="0"/>
+              <a:t>dropout layers</a:t>
+            </a:r>
+            <a:r>
+              <a:rPr lang="en-US" sz="1800" dirty="0"/>
+              <a:t>.  Fully connected layers are very prone to overfitting. Due to the large number of parameters.</a:t>
             </a:r>
             <a:endParaRPr lang="en-US" dirty="0"/>
           </a:p>
@@ -47525,15 +47656,7 @@
             </a:r>
             <a:r>
               <a:rPr lang="en-US" sz="1800" dirty="0"/>
-              <a:t>he last layer is the </a:t>
-            </a:r>
-            <a:r>
-              <a:rPr lang="en-US" sz="1800" dirty="0" err="1"/>
-              <a:t>softmax</a:t>
-            </a:r>
-            <a:r>
-              <a:rPr lang="en-US" sz="1800" dirty="0"/>
-              <a:t> layer which will give us the probability distribution the classes </a:t>
+              <a:t>he last layer is the SoftMax layer which will give us the probability distribution the classes </a:t>
             </a:r>
           </a:p>
           <a:p>
@@ -51070,7 +51193,7 @@
         <p:spPr/>
         <p:txBody>
           <a:bodyPr>
-            <a:normAutofit fontScale="85000" lnSpcReduction="20000"/>
+            <a:normAutofit/>
           </a:bodyPr>
           <a:lstStyle/>
           <a:p>
@@ -51095,21 +51218,21 @@
           <a:p>
             <a:pPr algn="just"/>
             <a:r>
-              <a:rPr lang="en-US" dirty="0">
+              <a:rPr lang="en-US" b="1" dirty="0">
                 <a:solidFill>
                   <a:srgbClr val="222222"/>
                 </a:solidFill>
               </a:rPr>
-              <a:t>B</a:t>
+              <a:t>C</a:t>
             </a:r>
             <a:r>
-              <a:rPr lang="en-US" b="0" i="0" dirty="0">
+              <a:rPr lang="en-US" b="1" i="0" dirty="0">
                 <a:solidFill>
                   <a:srgbClr val="222222"/>
                 </a:solidFill>
                 <a:effectLst/>
               </a:rPr>
-              <a:t>ranching within a layer allows abstraction of features at different spatial scales</a:t>
+              <a:t>onvolutions with different filter sizes on the input, Max Pooling, and concatenates the result for the next Inception module. </a:t>
             </a:r>
           </a:p>
           <a:p>
@@ -51121,7 +51244,7 @@
                 </a:solidFill>
                 <a:effectLst/>
               </a:rPr>
-              <a:t>In simple terms, the Inception Module just performs convolutions with different filter sizes on the input, performs Max Pooling, and concatenates the result for the next Inception module. The introduction of the 1 * 1 convolution operation reduces the parameters drastically.</a:t>
+              <a:t>The introduction of the 1 * 1 convolution operation reduces the parameters drastically.</a:t>
             </a:r>
           </a:p>
           <a:p>
@@ -51133,7 +51256,7 @@
                 </a:solidFill>
                 <a:effectLst/>
               </a:rPr>
-              <a:t> Though the number of layers in Inceptionv1 is 22, the </a:t>
+              <a:t> 22 layers and  </a:t>
             </a:r>
             <a:r>
               <a:rPr lang="en-US" b="1" i="0" dirty="0">
@@ -51142,7 +51265,7 @@
                 </a:solidFill>
                 <a:effectLst/>
               </a:rPr>
-              <a:t>massive reduction in the parameters makes it a formidable model to beat.</a:t>
+              <a:t>massive reduction in the parameters</a:t>
             </a:r>
           </a:p>
           <a:p>
@@ -51154,7 +51277,7 @@
                 </a:solidFill>
                 <a:effectLst/>
               </a:rPr>
-              <a:t>Inceptionv3 model </a:t>
+              <a:t>Inceptionv3 model vs v2. </a:t>
             </a:r>
             <a:r>
               <a:rPr lang="en-US" dirty="0">
@@ -51162,7 +51285,7 @@
                   <a:srgbClr val="222222"/>
                 </a:solidFill>
               </a:rPr>
-              <a:t>has</a:t>
+              <a:t>T</a:t>
             </a:r>
             <a:r>
               <a:rPr lang="en-US" b="0" i="0" dirty="0">
@@ -51171,7 +51294,7 @@
                 </a:solidFill>
                 <a:effectLst/>
               </a:rPr>
-              <a:t> a few more improvements on v2. The following are the major improvements included:</a:t>
+              <a:t>he major improvements are:</a:t>
             </a:r>
           </a:p>
           <a:p>
